--- a/Formatted_Slides/Module1_Video4.pptx
+++ b/Formatted_Slides/Module1_Video4.pptx
@@ -225,7 +225,7 @@
           <a:p>
             <a:fld id="{A1994904-53C7-FE4A-A4F3-9371B9AA3FA4}" type="datetimeFigureOut">
               <a:rPr lang="en-US" smtClean="0"/>
-              <a:t>8/27/2023</a:t>
+              <a:t>9/3/2023</a:t>
             </a:fld>
             <a:endParaRPr lang="en-US"/>
           </a:p>

--- a/Formatted_Slides/Module1_Video4.pptx
+++ b/Formatted_Slides/Module1_Video4.pptx
@@ -5,39 +5,47 @@
     <p:sldMasterId id="2147483660" r:id="rId1"/>
   </p:sldMasterIdLst>
   <p:notesMasterIdLst>
-    <p:notesMasterId r:id="rId8"/>
+    <p:notesMasterId r:id="rId16"/>
   </p:notesMasterIdLst>
   <p:sldIdLst>
     <p:sldId id="452" r:id="rId2"/>
     <p:sldId id="454" r:id="rId3"/>
     <p:sldId id="453" r:id="rId4"/>
-    <p:sldId id="455" r:id="rId5"/>
-    <p:sldId id="456" r:id="rId6"/>
-    <p:sldId id="444" r:id="rId7"/>
+    <p:sldId id="457" r:id="rId5"/>
+    <p:sldId id="458" r:id="rId6"/>
+    <p:sldId id="459" r:id="rId7"/>
+    <p:sldId id="460" r:id="rId8"/>
+    <p:sldId id="461" r:id="rId9"/>
+    <p:sldId id="462" r:id="rId10"/>
+    <p:sldId id="463" r:id="rId11"/>
+    <p:sldId id="464" r:id="rId12"/>
+    <p:sldId id="455" r:id="rId13"/>
+    <p:sldId id="456" r:id="rId14"/>
+    <p:sldId id="444" r:id="rId15"/>
   </p:sldIdLst>
   <p:sldSz cx="24384000" cy="13716000"/>
   <p:notesSz cx="6858000" cy="9144000"/>
   <p:embeddedFontLst>
     <p:embeddedFont>
       <p:font typeface="Calibri" panose="020F0502020204030204" pitchFamily="34" charset="0"/>
-      <p:regular r:id="rId9"/>
-      <p:bold r:id="rId10"/>
-      <p:italic r:id="rId11"/>
-      <p:boldItalic r:id="rId12"/>
-    </p:embeddedFont>
-    <p:embeddedFont>
-      <p:font typeface="Nunito Sans" pitchFamily="2" charset="0"/>
-      <p:regular r:id="rId13"/>
-      <p:bold r:id="rId14"/>
-      <p:italic r:id="rId15"/>
-      <p:boldItalic r:id="rId16"/>
-    </p:embeddedFont>
-    <p:embeddedFont>
-      <p:font typeface="Nunito Sans SemiBold" pitchFamily="2" charset="0"/>
       <p:regular r:id="rId17"/>
       <p:bold r:id="rId18"/>
       <p:italic r:id="rId19"/>
       <p:boldItalic r:id="rId20"/>
+    </p:embeddedFont>
+    <p:embeddedFont>
+      <p:font typeface="Nunito Sans" pitchFamily="2" charset="77"/>
+      <p:regular r:id="rId21"/>
+      <p:bold r:id="rId22"/>
+      <p:italic r:id="rId23"/>
+      <p:boldItalic r:id="rId24"/>
+    </p:embeddedFont>
+    <p:embeddedFont>
+      <p:font typeface="Nunito Sans SemiBold" panose="020F0502020204030204" pitchFamily="34" charset="0"/>
+      <p:regular r:id="rId25"/>
+      <p:bold r:id="rId26"/>
+      <p:italic r:id="rId27"/>
+      <p:boldItalic r:id="rId28"/>
     </p:embeddedFont>
   </p:embeddedFontLst>
   <p:defaultTextStyle>
@@ -225,7 +233,7 @@
           <a:p>
             <a:fld id="{A1994904-53C7-FE4A-A4F3-9371B9AA3FA4}" type="datetimeFigureOut">
               <a:rPr lang="en-US" smtClean="0"/>
-              <a:t>9/3/2023</a:t>
+              <a:t>9/4/23</a:t>
             </a:fld>
             <a:endParaRPr lang="en-US"/>
           </a:p>
@@ -641,7 +649,7 @@
           <a:p>
             <a:fld id="{D343CE2E-3DB2-2543-A1CC-255A6E8F42E8}" type="slidenum">
               <a:rPr lang="en-US" smtClean="0"/>
-              <a:t>6</a:t>
+              <a:t>14</a:t>
             </a:fld>
             <a:endParaRPr lang="en-US"/>
           </a:p>
@@ -4035,7 +4043,7 @@
           <a:p>
             <a:r>
               <a:rPr lang="en-US" b="1" dirty="0"/>
-              <a:t>Module 1 Lesson 4 – Data Cleaning in R</a:t>
+              <a:t>Module 1 Lesson 4 – Data Cleaning in R Part 1/2</a:t>
             </a:r>
           </a:p>
         </p:txBody>
@@ -4144,7 +4152,7 @@
 </p:sld>
 </file>
 
-<file path=ppt/slides/slide2.xml><?xml version="1.0" encoding="utf-8"?>
+<file path=ppt/slides/slide10.xml><?xml version="1.0" encoding="utf-8"?>
 <p:sld xmlns:a="http://schemas.openxmlformats.org/drawingml/2006/main" xmlns:r="http://schemas.openxmlformats.org/officeDocument/2006/relationships" xmlns:p="http://schemas.openxmlformats.org/presentationml/2006/main">
   <p:cSld>
     <p:spTree>
@@ -4166,7 +4174,7 @@
           <p:cNvPr id="2" name="Title 1">
             <a:extLst>
               <a:ext uri="{FF2B5EF4-FFF2-40B4-BE49-F238E27FC236}">
-                <a16:creationId xmlns:a16="http://schemas.microsoft.com/office/drawing/2014/main" id="{0736C001-5476-8878-870F-A0040FBB739E}"/>
+                <a16:creationId xmlns:a16="http://schemas.microsoft.com/office/drawing/2014/main" id="{FCCCAB6C-8DC2-D3BD-7407-B3EECB6E6570}"/>
               </a:ext>
             </a:extLst>
           </p:cNvPr>
@@ -4184,15 +4192,40 @@
           <a:p>
             <a:r>
               <a:rPr lang="en-US" dirty="0"/>
-              <a:t>LAST TIME</a:t>
-            </a:r>
+              <a:t>MERGING COLUMNS</a:t>
+            </a:r>
+          </a:p>
+        </p:txBody>
+      </p:sp>
+      <p:sp>
+        <p:nvSpPr>
+          <p:cNvPr id="3" name="Text Placeholder 2">
+            <a:extLst>
+              <a:ext uri="{FF2B5EF4-FFF2-40B4-BE49-F238E27FC236}">
+                <a16:creationId xmlns:a16="http://schemas.microsoft.com/office/drawing/2014/main" id="{CCFB1E4B-C315-16F5-EE64-D8C877401697}"/>
+              </a:ext>
+            </a:extLst>
+          </p:cNvPr>
+          <p:cNvSpPr>
+            <a:spLocks noGrp="1"/>
+          </p:cNvSpPr>
+          <p:nvPr>
+            <p:ph type="body" sz="quarter" idx="10"/>
+          </p:nvPr>
+        </p:nvSpPr>
+        <p:spPr/>
+        <p:txBody>
+          <a:bodyPr/>
+          <a:lstStyle/>
+          <a:p>
+            <a:endParaRPr lang="en-US"/>
           </a:p>
         </p:txBody>
       </p:sp>
     </p:spTree>
     <p:extLst>
       <p:ext uri="{BB962C8B-B14F-4D97-AF65-F5344CB8AC3E}">
-        <p14:creationId xmlns:p14="http://schemas.microsoft.com/office/powerpoint/2010/main" val="2968773058"/>
+        <p14:creationId xmlns:p14="http://schemas.microsoft.com/office/powerpoint/2010/main" val="998973890"/>
       </p:ext>
     </p:extLst>
   </p:cSld>
@@ -4202,7 +4235,7 @@
 </p:sld>
 </file>
 
-<file path=ppt/slides/slide3.xml><?xml version="1.0" encoding="utf-8"?>
+<file path=ppt/slides/slide11.xml><?xml version="1.0" encoding="utf-8"?>
 <p:sld xmlns:a="http://schemas.openxmlformats.org/drawingml/2006/main" xmlns:r="http://schemas.openxmlformats.org/officeDocument/2006/relationships" xmlns:p="http://schemas.openxmlformats.org/presentationml/2006/main">
   <p:cSld>
     <p:spTree>
@@ -4224,7 +4257,7 @@
           <p:cNvPr id="2" name="Title 1">
             <a:extLst>
               <a:ext uri="{FF2B5EF4-FFF2-40B4-BE49-F238E27FC236}">
-                <a16:creationId xmlns:a16="http://schemas.microsoft.com/office/drawing/2014/main" id="{DB7EA309-C9D9-2641-9E3E-4E10A3A939FF}"/>
+                <a16:creationId xmlns:a16="http://schemas.microsoft.com/office/drawing/2014/main" id="{2891A886-4841-E8A3-9DD8-337B4FC3B586}"/>
               </a:ext>
             </a:extLst>
           </p:cNvPr>
@@ -4233,6 +4266,48 @@
           </p:cNvSpPr>
           <p:nvPr>
             <p:ph type="title"/>
+          </p:nvPr>
+        </p:nvSpPr>
+        <p:spPr/>
+        <p:txBody>
+          <a:bodyPr>
+            <a:normAutofit fontScale="90000"/>
+          </a:bodyPr>
+          <a:lstStyle/>
+          <a:p>
+            <a:r>
+              <a:rPr lang="en-US" sz="6000" kern="100" dirty="0">
+                <a:effectLst/>
+                <a:ea typeface="Calibri" panose="020F0502020204030204" pitchFamily="34" charset="0"/>
+                <a:cs typeface="Arial" panose="020B0604020202020204" pitchFamily="34" charset="0"/>
+              </a:rPr>
+              <a:t>CORRECTING CAPITALIZATION</a:t>
+            </a:r>
+            <a:br>
+              <a:rPr lang="en-US" sz="6000" kern="100" dirty="0">
+                <a:effectLst/>
+                <a:ea typeface="Calibri" panose="020F0502020204030204" pitchFamily="34" charset="0"/>
+                <a:cs typeface="Arial" panose="020B0604020202020204" pitchFamily="34" charset="0"/>
+              </a:rPr>
+            </a:br>
+            <a:endParaRPr lang="en-US" dirty="0"/>
+          </a:p>
+        </p:txBody>
+      </p:sp>
+      <p:sp>
+        <p:nvSpPr>
+          <p:cNvPr id="3" name="Text Placeholder 2">
+            <a:extLst>
+              <a:ext uri="{FF2B5EF4-FFF2-40B4-BE49-F238E27FC236}">
+                <a16:creationId xmlns:a16="http://schemas.microsoft.com/office/drawing/2014/main" id="{C021B72C-E6F4-08A6-2E5D-9DABAC27B7FA}"/>
+              </a:ext>
+            </a:extLst>
+          </p:cNvPr>
+          <p:cNvSpPr>
+            <a:spLocks noGrp="1"/>
+          </p:cNvSpPr>
+          <p:nvPr>
+            <p:ph type="body" sz="quarter" idx="10"/>
           </p:nvPr>
         </p:nvSpPr>
         <p:spPr/>
@@ -4240,89 +4315,14 @@
           <a:bodyPr/>
           <a:lstStyle/>
           <a:p>
-            <a:r>
-              <a:rPr lang="en-US" dirty="0"/>
-              <a:t>IN THIS VIDEO</a:t>
-            </a:r>
-          </a:p>
-        </p:txBody>
-      </p:sp>
-      <p:sp>
-        <p:nvSpPr>
-          <p:cNvPr id="3" name="Text Placeholder 2">
-            <a:extLst>
-              <a:ext uri="{FF2B5EF4-FFF2-40B4-BE49-F238E27FC236}">
-                <a16:creationId xmlns:a16="http://schemas.microsoft.com/office/drawing/2014/main" id="{E148928B-5533-1F45-B821-D97852D2A781}"/>
-              </a:ext>
-            </a:extLst>
-          </p:cNvPr>
-          <p:cNvSpPr>
-            <a:spLocks noGrp="1"/>
-          </p:cNvSpPr>
-          <p:nvPr>
-            <p:ph type="body" sz="quarter" idx="10"/>
-          </p:nvPr>
-        </p:nvSpPr>
-        <p:spPr/>
-        <p:txBody>
-          <a:bodyPr/>
-          <a:lstStyle/>
-          <a:p>
-            <a:pPr marL="457200" indent="-457200">
-              <a:buFont typeface="Arial" panose="020B0604020202020204" pitchFamily="34" charset="0"/>
-              <a:buChar char="•"/>
-            </a:pPr>
-            <a:r>
-              <a:rPr lang="en-US" sz="4400" dirty="0"/>
-              <a:t>Welcome!</a:t>
-            </a:r>
-          </a:p>
-          <a:p>
-            <a:pPr marL="457200" indent="-457200">
-              <a:buFont typeface="Arial" panose="020B0604020202020204" pitchFamily="34" charset="0"/>
-              <a:buChar char="•"/>
-            </a:pPr>
-            <a:r>
-              <a:rPr lang="en-US" sz="4400" dirty="0"/>
-              <a:t>Purpose of this video series</a:t>
-            </a:r>
-          </a:p>
-          <a:p>
-            <a:pPr marL="457200" indent="-457200">
-              <a:buFont typeface="Arial" panose="020B0604020202020204" pitchFamily="34" charset="0"/>
-              <a:buChar char="•"/>
-            </a:pPr>
-            <a:r>
-              <a:rPr lang="en-US" sz="4400" dirty="0"/>
-              <a:t>Steps to building a dashboard</a:t>
-            </a:r>
-          </a:p>
-          <a:p>
-            <a:pPr marL="457200" indent="-457200">
-              <a:buFont typeface="Arial" panose="020B0604020202020204" pitchFamily="34" charset="0"/>
-              <a:buChar char="•"/>
-            </a:pPr>
-            <a:r>
-              <a:rPr lang="en-US" sz="4400" dirty="0"/>
-              <a:t>Demo of our mental health dashboard</a:t>
-            </a:r>
-          </a:p>
-          <a:p>
-            <a:pPr marL="457200" indent="-457200">
-              <a:buFont typeface="Arial" panose="020B0604020202020204" pitchFamily="34" charset="0"/>
-              <a:buChar char="•"/>
-            </a:pPr>
-            <a:r>
-              <a:rPr lang="en-US" sz="4400" dirty="0"/>
-              <a:t>Next Steps</a:t>
-            </a:r>
+            <a:endParaRPr lang="en-US" dirty="0"/>
           </a:p>
         </p:txBody>
       </p:sp>
     </p:spTree>
     <p:extLst>
       <p:ext uri="{BB962C8B-B14F-4D97-AF65-F5344CB8AC3E}">
-        <p14:creationId xmlns:p14="http://schemas.microsoft.com/office/powerpoint/2010/main" val="4119661440"/>
+        <p14:creationId xmlns:p14="http://schemas.microsoft.com/office/powerpoint/2010/main" val="690397421"/>
       </p:ext>
     </p:extLst>
   </p:cSld>
@@ -4332,7 +4332,7 @@
 </p:sld>
 </file>
 
-<file path=ppt/slides/slide4.xml><?xml version="1.0" encoding="utf-8"?>
+<file path=ppt/slides/slide12.xml><?xml version="1.0" encoding="utf-8"?>
 <p:sld xmlns:a="http://schemas.openxmlformats.org/drawingml/2006/main" xmlns:r="http://schemas.openxmlformats.org/officeDocument/2006/relationships" xmlns:p="http://schemas.openxmlformats.org/presentationml/2006/main">
   <p:cSld>
     <p:spTree>
@@ -4390,7 +4390,7 @@
 </p:sld>
 </file>
 
-<file path=ppt/slides/slide5.xml><?xml version="1.0" encoding="utf-8"?>
+<file path=ppt/slides/slide13.xml><?xml version="1.0" encoding="utf-8"?>
 <p:sld xmlns:a="http://schemas.openxmlformats.org/drawingml/2006/main" xmlns:r="http://schemas.openxmlformats.org/officeDocument/2006/relationships" xmlns:p="http://schemas.openxmlformats.org/presentationml/2006/main">
   <p:cSld>
     <p:spTree>
@@ -4448,7 +4448,7 @@
 </p:sld>
 </file>
 
-<file path=ppt/slides/slide6.xml><?xml version="1.0" encoding="utf-8"?>
+<file path=ppt/slides/slide14.xml><?xml version="1.0" encoding="utf-8"?>
 <p:sld xmlns:a="http://schemas.openxmlformats.org/drawingml/2006/main" xmlns:r="http://schemas.openxmlformats.org/officeDocument/2006/relationships" xmlns:p="http://schemas.openxmlformats.org/presentationml/2006/main">
   <p:cSld>
     <p:bg>
@@ -4645,7 +4645,7 @@
         </p:nvSpPr>
         <p:spPr>
           <a:xfrm>
-            <a:off x="11326437" y="3371966"/>
+            <a:off x="11140438" y="3411925"/>
             <a:ext cx="2103120" cy="2103120"/>
           </a:xfrm>
           <a:prstGeom prst="ellipse">
@@ -4697,7 +4697,7 @@
         </p:nvSpPr>
         <p:spPr>
           <a:xfrm>
-            <a:off x="10077745" y="5960804"/>
+            <a:off x="9891745" y="5960804"/>
             <a:ext cx="4600505" cy="461665"/>
           </a:xfrm>
           <a:prstGeom prst="rect">
@@ -5199,7 +5199,7 @@
         </p:blipFill>
         <p:spPr>
           <a:xfrm>
-            <a:off x="11699867" y="3745396"/>
+            <a:off x="11513868" y="3823361"/>
             <a:ext cx="1356260" cy="1356260"/>
           </a:xfrm>
           <a:prstGeom prst="rect">
@@ -5322,6 +5322,882 @@
       </p:transition>
     </mc:Fallback>
   </mc:AlternateContent>
+</p:sld>
+</file>
+
+<file path=ppt/slides/slide2.xml><?xml version="1.0" encoding="utf-8"?>
+<p:sld xmlns:a="http://schemas.openxmlformats.org/drawingml/2006/main" xmlns:r="http://schemas.openxmlformats.org/officeDocument/2006/relationships" xmlns:p="http://schemas.openxmlformats.org/presentationml/2006/main">
+  <p:cSld>
+    <p:spTree>
+      <p:nvGrpSpPr>
+        <p:cNvPr id="1" name=""/>
+        <p:cNvGrpSpPr/>
+        <p:nvPr/>
+      </p:nvGrpSpPr>
+      <p:grpSpPr>
+        <a:xfrm>
+          <a:off x="0" y="0"/>
+          <a:ext cx="0" cy="0"/>
+          <a:chOff x="0" y="0"/>
+          <a:chExt cx="0" cy="0"/>
+        </a:xfrm>
+      </p:grpSpPr>
+      <p:sp>
+        <p:nvSpPr>
+          <p:cNvPr id="2" name="Title 1">
+            <a:extLst>
+              <a:ext uri="{FF2B5EF4-FFF2-40B4-BE49-F238E27FC236}">
+                <a16:creationId xmlns:a16="http://schemas.microsoft.com/office/drawing/2014/main" id="{0736C001-5476-8878-870F-A0040FBB739E}"/>
+              </a:ext>
+            </a:extLst>
+          </p:cNvPr>
+          <p:cNvSpPr>
+            <a:spLocks noGrp="1"/>
+          </p:cNvSpPr>
+          <p:nvPr>
+            <p:ph type="title"/>
+          </p:nvPr>
+        </p:nvSpPr>
+        <p:spPr/>
+        <p:txBody>
+          <a:bodyPr/>
+          <a:lstStyle/>
+          <a:p>
+            <a:r>
+              <a:rPr lang="en-US" dirty="0"/>
+              <a:t>LAST TIME</a:t>
+            </a:r>
+          </a:p>
+        </p:txBody>
+      </p:sp>
+      <p:sp>
+        <p:nvSpPr>
+          <p:cNvPr id="4" name="Text Placeholder 3">
+            <a:extLst>
+              <a:ext uri="{FF2B5EF4-FFF2-40B4-BE49-F238E27FC236}">
+                <a16:creationId xmlns:a16="http://schemas.microsoft.com/office/drawing/2014/main" id="{01388A44-1E86-7BF5-08DE-89CEADB6BB8D}"/>
+              </a:ext>
+            </a:extLst>
+          </p:cNvPr>
+          <p:cNvSpPr>
+            <a:spLocks noGrp="1"/>
+          </p:cNvSpPr>
+          <p:nvPr>
+            <p:ph type="body" sz="quarter" idx="10"/>
+          </p:nvPr>
+        </p:nvSpPr>
+        <p:spPr/>
+        <p:txBody>
+          <a:bodyPr/>
+          <a:lstStyle/>
+          <a:p>
+            <a:pPr marL="457200" indent="-457200">
+              <a:buFont typeface="Arial" panose="020B0604020202020204" pitchFamily="34" charset="0"/>
+              <a:buChar char="•"/>
+            </a:pPr>
+            <a:r>
+              <a:rPr lang="en-US" sz="4800" dirty="0"/>
+              <a:t>We installed R and RStudio and wrote our first “Hello World!” program </a:t>
+            </a:r>
+          </a:p>
+        </p:txBody>
+      </p:sp>
+    </p:spTree>
+    <p:extLst>
+      <p:ext uri="{BB962C8B-B14F-4D97-AF65-F5344CB8AC3E}">
+        <p14:creationId xmlns:p14="http://schemas.microsoft.com/office/powerpoint/2010/main" val="2968773058"/>
+      </p:ext>
+    </p:extLst>
+  </p:cSld>
+  <p:clrMapOvr>
+    <a:masterClrMapping/>
+  </p:clrMapOvr>
+</p:sld>
+</file>
+
+<file path=ppt/slides/slide3.xml><?xml version="1.0" encoding="utf-8"?>
+<p:sld xmlns:a="http://schemas.openxmlformats.org/drawingml/2006/main" xmlns:r="http://schemas.openxmlformats.org/officeDocument/2006/relationships" xmlns:p="http://schemas.openxmlformats.org/presentationml/2006/main">
+  <p:cSld>
+    <p:spTree>
+      <p:nvGrpSpPr>
+        <p:cNvPr id="1" name=""/>
+        <p:cNvGrpSpPr/>
+        <p:nvPr/>
+      </p:nvGrpSpPr>
+      <p:grpSpPr>
+        <a:xfrm>
+          <a:off x="0" y="0"/>
+          <a:ext cx="0" cy="0"/>
+          <a:chOff x="0" y="0"/>
+          <a:chExt cx="0" cy="0"/>
+        </a:xfrm>
+      </p:grpSpPr>
+      <p:sp>
+        <p:nvSpPr>
+          <p:cNvPr id="2" name="Title 1">
+            <a:extLst>
+              <a:ext uri="{FF2B5EF4-FFF2-40B4-BE49-F238E27FC236}">
+                <a16:creationId xmlns:a16="http://schemas.microsoft.com/office/drawing/2014/main" id="{DB7EA309-C9D9-2641-9E3E-4E10A3A939FF}"/>
+              </a:ext>
+            </a:extLst>
+          </p:cNvPr>
+          <p:cNvSpPr>
+            <a:spLocks noGrp="1"/>
+          </p:cNvSpPr>
+          <p:nvPr>
+            <p:ph type="title"/>
+          </p:nvPr>
+        </p:nvSpPr>
+        <p:spPr/>
+        <p:txBody>
+          <a:bodyPr/>
+          <a:lstStyle/>
+          <a:p>
+            <a:r>
+              <a:rPr lang="en-US" dirty="0"/>
+              <a:t>IN THIS VIDEO</a:t>
+            </a:r>
+          </a:p>
+        </p:txBody>
+      </p:sp>
+      <p:sp>
+        <p:nvSpPr>
+          <p:cNvPr id="3" name="Text Placeholder 2">
+            <a:extLst>
+              <a:ext uri="{FF2B5EF4-FFF2-40B4-BE49-F238E27FC236}">
+                <a16:creationId xmlns:a16="http://schemas.microsoft.com/office/drawing/2014/main" id="{E148928B-5533-1F45-B821-D97852D2A781}"/>
+              </a:ext>
+            </a:extLst>
+          </p:cNvPr>
+          <p:cNvSpPr>
+            <a:spLocks noGrp="1"/>
+          </p:cNvSpPr>
+          <p:nvPr>
+            <p:ph type="body" sz="quarter" idx="10"/>
+          </p:nvPr>
+        </p:nvSpPr>
+        <p:spPr/>
+        <p:txBody>
+          <a:bodyPr/>
+          <a:lstStyle/>
+          <a:p>
+            <a:pPr marL="228600" lvl="1" indent="-228600">
+              <a:lnSpc>
+                <a:spcPct val="107000"/>
+              </a:lnSpc>
+              <a:spcBef>
+                <a:spcPts val="0"/>
+              </a:spcBef>
+              <a:buFont typeface="Arial" panose="020B0604020202020204" pitchFamily="34" charset="0"/>
+              <a:buChar char="•"/>
+            </a:pPr>
+            <a:r>
+              <a:rPr lang="en-US" sz="4400" kern="100" dirty="0">
+                <a:effectLst/>
+                <a:ea typeface="Calibri" panose="020F0502020204030204" pitchFamily="34" charset="0"/>
+                <a:cs typeface="Arial" panose="020B0604020202020204" pitchFamily="34" charset="0"/>
+              </a:rPr>
+              <a:t>File import</a:t>
+            </a:r>
+          </a:p>
+          <a:p>
+            <a:pPr marL="228600" lvl="1" indent="-228600">
+              <a:lnSpc>
+                <a:spcPct val="107000"/>
+              </a:lnSpc>
+              <a:spcBef>
+                <a:spcPts val="0"/>
+              </a:spcBef>
+              <a:buFont typeface="Arial" panose="020B0604020202020204" pitchFamily="34" charset="0"/>
+              <a:buChar char="•"/>
+            </a:pPr>
+            <a:r>
+              <a:rPr lang="en-US" sz="4400" kern="100" dirty="0">
+                <a:effectLst/>
+                <a:ea typeface="Calibri" panose="020F0502020204030204" pitchFamily="34" charset="0"/>
+                <a:cs typeface="Arial" panose="020B0604020202020204" pitchFamily="34" charset="0"/>
+              </a:rPr>
+              <a:t>Dealing with missing values, including replacing placeholders with NAs</a:t>
+            </a:r>
+          </a:p>
+          <a:p>
+            <a:pPr marL="228600" lvl="1" indent="-228600">
+              <a:lnSpc>
+                <a:spcPct val="107000"/>
+              </a:lnSpc>
+              <a:spcBef>
+                <a:spcPts val="0"/>
+              </a:spcBef>
+              <a:buFont typeface="Arial" panose="020B0604020202020204" pitchFamily="34" charset="0"/>
+              <a:buChar char="•"/>
+            </a:pPr>
+            <a:r>
+              <a:rPr lang="en-US" sz="4400" kern="100" dirty="0">
+                <a:effectLst/>
+                <a:ea typeface="Calibri" panose="020F0502020204030204" pitchFamily="34" charset="0"/>
+                <a:cs typeface="Arial" panose="020B0604020202020204" pitchFamily="34" charset="0"/>
+              </a:rPr>
+              <a:t>Dropping excess columns </a:t>
+            </a:r>
+          </a:p>
+          <a:p>
+            <a:pPr marL="228600" lvl="1" indent="-228600">
+              <a:lnSpc>
+                <a:spcPct val="107000"/>
+              </a:lnSpc>
+              <a:spcBef>
+                <a:spcPts val="0"/>
+              </a:spcBef>
+              <a:buFont typeface="Arial" panose="020B0604020202020204" pitchFamily="34" charset="0"/>
+              <a:buChar char="•"/>
+            </a:pPr>
+            <a:r>
+              <a:rPr lang="en-US" sz="4400" kern="100" dirty="0">
+                <a:effectLst/>
+                <a:ea typeface="Calibri" panose="020F0502020204030204" pitchFamily="34" charset="0"/>
+                <a:cs typeface="Arial" panose="020B0604020202020204" pitchFamily="34" charset="0"/>
+              </a:rPr>
+              <a:t>Removing excess whitespace</a:t>
+            </a:r>
+          </a:p>
+          <a:p>
+            <a:pPr marL="228600" lvl="1" indent="-228600">
+              <a:lnSpc>
+                <a:spcPct val="107000"/>
+              </a:lnSpc>
+              <a:spcBef>
+                <a:spcPts val="0"/>
+              </a:spcBef>
+              <a:buFont typeface="Arial" panose="020B0604020202020204" pitchFamily="34" charset="0"/>
+              <a:buChar char="•"/>
+            </a:pPr>
+            <a:r>
+              <a:rPr lang="en-US" sz="4400" kern="100" dirty="0">
+                <a:effectLst/>
+                <a:ea typeface="Calibri" panose="020F0502020204030204" pitchFamily="34" charset="0"/>
+                <a:cs typeface="Arial" panose="020B0604020202020204" pitchFamily="34" charset="0"/>
+              </a:rPr>
+              <a:t>Duplicate detection</a:t>
+            </a:r>
+          </a:p>
+          <a:p>
+            <a:pPr marL="228600" lvl="1" indent="-228600">
+              <a:lnSpc>
+                <a:spcPct val="107000"/>
+              </a:lnSpc>
+              <a:spcBef>
+                <a:spcPts val="0"/>
+              </a:spcBef>
+              <a:buFont typeface="Arial" panose="020B0604020202020204" pitchFamily="34" charset="0"/>
+              <a:buChar char="•"/>
+            </a:pPr>
+            <a:r>
+              <a:rPr lang="en-US" sz="4400" kern="100" dirty="0">
+                <a:effectLst/>
+                <a:ea typeface="Calibri" panose="020F0502020204030204" pitchFamily="34" charset="0"/>
+                <a:cs typeface="Arial" panose="020B0604020202020204" pitchFamily="34" charset="0"/>
+              </a:rPr>
+              <a:t>Adding/removing leading values (e.g., state labels in FIPS) and merging columns</a:t>
+            </a:r>
+          </a:p>
+          <a:p>
+            <a:pPr marL="228600" lvl="1" indent="-228600">
+              <a:lnSpc>
+                <a:spcPct val="107000"/>
+              </a:lnSpc>
+              <a:spcBef>
+                <a:spcPts val="0"/>
+              </a:spcBef>
+              <a:buFont typeface="Arial" panose="020B0604020202020204" pitchFamily="34" charset="0"/>
+              <a:buChar char="•"/>
+            </a:pPr>
+            <a:r>
+              <a:rPr lang="en-US" sz="4400" kern="100" dirty="0">
+                <a:effectLst/>
+                <a:ea typeface="Calibri" panose="020F0502020204030204" pitchFamily="34" charset="0"/>
+                <a:cs typeface="Arial" panose="020B0604020202020204" pitchFamily="34" charset="0"/>
+              </a:rPr>
+              <a:t>Correcting capitalization</a:t>
+            </a:r>
+          </a:p>
+        </p:txBody>
+      </p:sp>
+    </p:spTree>
+    <p:extLst>
+      <p:ext uri="{BB962C8B-B14F-4D97-AF65-F5344CB8AC3E}">
+        <p14:creationId xmlns:p14="http://schemas.microsoft.com/office/powerpoint/2010/main" val="4119661440"/>
+      </p:ext>
+    </p:extLst>
+  </p:cSld>
+  <p:clrMapOvr>
+    <a:masterClrMapping/>
+  </p:clrMapOvr>
+</p:sld>
+</file>
+
+<file path=ppt/slides/slide4.xml><?xml version="1.0" encoding="utf-8"?>
+<p:sld xmlns:a="http://schemas.openxmlformats.org/drawingml/2006/main" xmlns:r="http://schemas.openxmlformats.org/officeDocument/2006/relationships" xmlns:p="http://schemas.openxmlformats.org/presentationml/2006/main">
+  <p:cSld>
+    <p:spTree>
+      <p:nvGrpSpPr>
+        <p:cNvPr id="1" name=""/>
+        <p:cNvGrpSpPr/>
+        <p:nvPr/>
+      </p:nvGrpSpPr>
+      <p:grpSpPr>
+        <a:xfrm>
+          <a:off x="0" y="0"/>
+          <a:ext cx="0" cy="0"/>
+          <a:chOff x="0" y="0"/>
+          <a:chExt cx="0" cy="0"/>
+        </a:xfrm>
+      </p:grpSpPr>
+      <p:sp>
+        <p:nvSpPr>
+          <p:cNvPr id="6" name="Title 5">
+            <a:extLst>
+              <a:ext uri="{FF2B5EF4-FFF2-40B4-BE49-F238E27FC236}">
+                <a16:creationId xmlns:a16="http://schemas.microsoft.com/office/drawing/2014/main" id="{CD5EDA2A-7B2A-46B1-D024-F6C3DA7AB2CC}"/>
+              </a:ext>
+            </a:extLst>
+          </p:cNvPr>
+          <p:cNvSpPr>
+            <a:spLocks noGrp="1"/>
+          </p:cNvSpPr>
+          <p:nvPr>
+            <p:ph type="title"/>
+          </p:nvPr>
+        </p:nvSpPr>
+        <p:spPr/>
+        <p:txBody>
+          <a:bodyPr>
+            <a:normAutofit fontScale="90000"/>
+          </a:bodyPr>
+          <a:lstStyle/>
+          <a:p>
+            <a:r>
+              <a:rPr lang="en-US" sz="6000" kern="100" dirty="0">
+                <a:effectLst/>
+                <a:ea typeface="Calibri" panose="020F0502020204030204" pitchFamily="34" charset="0"/>
+                <a:cs typeface="Arial" panose="020B0604020202020204" pitchFamily="34" charset="0"/>
+              </a:rPr>
+              <a:t>FILE IMPORT</a:t>
+            </a:r>
+            <a:br>
+              <a:rPr lang="en-US" sz="6000" kern="100" dirty="0">
+                <a:effectLst/>
+                <a:ea typeface="Calibri" panose="020F0502020204030204" pitchFamily="34" charset="0"/>
+                <a:cs typeface="Arial" panose="020B0604020202020204" pitchFamily="34" charset="0"/>
+              </a:rPr>
+            </a:br>
+            <a:endParaRPr lang="en-US" dirty="0"/>
+          </a:p>
+        </p:txBody>
+      </p:sp>
+      <p:sp>
+        <p:nvSpPr>
+          <p:cNvPr id="7" name="Text Placeholder 6">
+            <a:extLst>
+              <a:ext uri="{FF2B5EF4-FFF2-40B4-BE49-F238E27FC236}">
+                <a16:creationId xmlns:a16="http://schemas.microsoft.com/office/drawing/2014/main" id="{0710D663-22FD-268E-608A-A5A6F8F14CA8}"/>
+              </a:ext>
+            </a:extLst>
+          </p:cNvPr>
+          <p:cNvSpPr>
+            <a:spLocks noGrp="1"/>
+          </p:cNvSpPr>
+          <p:nvPr>
+            <p:ph type="body" sz="quarter" idx="10"/>
+          </p:nvPr>
+        </p:nvSpPr>
+        <p:spPr/>
+        <p:txBody>
+          <a:bodyPr/>
+          <a:lstStyle/>
+          <a:p>
+            <a:endParaRPr lang="en-US" sz="2800" kern="100" dirty="0">
+              <a:effectLst/>
+              <a:ea typeface="Calibri" panose="020F0502020204030204" pitchFamily="34" charset="0"/>
+              <a:cs typeface="Arial" panose="020B0604020202020204" pitchFamily="34" charset="0"/>
+            </a:endParaRPr>
+          </a:p>
+        </p:txBody>
+      </p:sp>
+    </p:spTree>
+    <p:extLst>
+      <p:ext uri="{BB962C8B-B14F-4D97-AF65-F5344CB8AC3E}">
+        <p14:creationId xmlns:p14="http://schemas.microsoft.com/office/powerpoint/2010/main" val="402373937"/>
+      </p:ext>
+    </p:extLst>
+  </p:cSld>
+  <p:clrMapOvr>
+    <a:masterClrMapping/>
+  </p:clrMapOvr>
+</p:sld>
+</file>
+
+<file path=ppt/slides/slide5.xml><?xml version="1.0" encoding="utf-8"?>
+<p:sld xmlns:a="http://schemas.openxmlformats.org/drawingml/2006/main" xmlns:r="http://schemas.openxmlformats.org/officeDocument/2006/relationships" xmlns:p="http://schemas.openxmlformats.org/presentationml/2006/main">
+  <p:cSld>
+    <p:spTree>
+      <p:nvGrpSpPr>
+        <p:cNvPr id="1" name=""/>
+        <p:cNvGrpSpPr/>
+        <p:nvPr/>
+      </p:nvGrpSpPr>
+      <p:grpSpPr>
+        <a:xfrm>
+          <a:off x="0" y="0"/>
+          <a:ext cx="0" cy="0"/>
+          <a:chOff x="0" y="0"/>
+          <a:chExt cx="0" cy="0"/>
+        </a:xfrm>
+      </p:grpSpPr>
+      <p:sp>
+        <p:nvSpPr>
+          <p:cNvPr id="2" name="Title 1">
+            <a:extLst>
+              <a:ext uri="{FF2B5EF4-FFF2-40B4-BE49-F238E27FC236}">
+                <a16:creationId xmlns:a16="http://schemas.microsoft.com/office/drawing/2014/main" id="{094DAE56-070A-DA21-5671-21C92F78CA9F}"/>
+              </a:ext>
+            </a:extLst>
+          </p:cNvPr>
+          <p:cNvSpPr>
+            <a:spLocks noGrp="1"/>
+          </p:cNvSpPr>
+          <p:nvPr>
+            <p:ph type="title"/>
+          </p:nvPr>
+        </p:nvSpPr>
+        <p:spPr/>
+        <p:txBody>
+          <a:bodyPr/>
+          <a:lstStyle/>
+          <a:p>
+            <a:r>
+              <a:rPr lang="en-US" kern="100" dirty="0">
+                <a:ea typeface="Calibri" panose="020F0502020204030204" pitchFamily="34" charset="0"/>
+                <a:cs typeface="Arial" panose="020B0604020202020204" pitchFamily="34" charset="0"/>
+              </a:rPr>
+              <a:t>MISSING</a:t>
+            </a:r>
+            <a:r>
+              <a:rPr lang="en-US" sz="6000" kern="100" dirty="0">
+                <a:effectLst/>
+                <a:ea typeface="Calibri" panose="020F0502020204030204" pitchFamily="34" charset="0"/>
+                <a:cs typeface="Arial" panose="020B0604020202020204" pitchFamily="34" charset="0"/>
+              </a:rPr>
+              <a:t> VALUES</a:t>
+            </a:r>
+            <a:endParaRPr lang="en-US" dirty="0"/>
+          </a:p>
+        </p:txBody>
+      </p:sp>
+      <p:sp>
+        <p:nvSpPr>
+          <p:cNvPr id="3" name="Text Placeholder 2">
+            <a:extLst>
+              <a:ext uri="{FF2B5EF4-FFF2-40B4-BE49-F238E27FC236}">
+                <a16:creationId xmlns:a16="http://schemas.microsoft.com/office/drawing/2014/main" id="{F6F42720-8C28-4C7F-D510-6D9BCF9A7CF1}"/>
+              </a:ext>
+            </a:extLst>
+          </p:cNvPr>
+          <p:cNvSpPr>
+            <a:spLocks noGrp="1"/>
+          </p:cNvSpPr>
+          <p:nvPr>
+            <p:ph type="body" sz="quarter" idx="10"/>
+          </p:nvPr>
+        </p:nvSpPr>
+        <p:spPr/>
+        <p:txBody>
+          <a:bodyPr/>
+          <a:lstStyle/>
+          <a:p>
+            <a:endParaRPr lang="en-US"/>
+          </a:p>
+        </p:txBody>
+      </p:sp>
+    </p:spTree>
+    <p:extLst>
+      <p:ext uri="{BB962C8B-B14F-4D97-AF65-F5344CB8AC3E}">
+        <p14:creationId xmlns:p14="http://schemas.microsoft.com/office/powerpoint/2010/main" val="3381351601"/>
+      </p:ext>
+    </p:extLst>
+  </p:cSld>
+  <p:clrMapOvr>
+    <a:masterClrMapping/>
+  </p:clrMapOvr>
+</p:sld>
+</file>
+
+<file path=ppt/slides/slide6.xml><?xml version="1.0" encoding="utf-8"?>
+<p:sld xmlns:a="http://schemas.openxmlformats.org/drawingml/2006/main" xmlns:r="http://schemas.openxmlformats.org/officeDocument/2006/relationships" xmlns:p="http://schemas.openxmlformats.org/presentationml/2006/main">
+  <p:cSld>
+    <p:spTree>
+      <p:nvGrpSpPr>
+        <p:cNvPr id="1" name=""/>
+        <p:cNvGrpSpPr/>
+        <p:nvPr/>
+      </p:nvGrpSpPr>
+      <p:grpSpPr>
+        <a:xfrm>
+          <a:off x="0" y="0"/>
+          <a:ext cx="0" cy="0"/>
+          <a:chOff x="0" y="0"/>
+          <a:chExt cx="0" cy="0"/>
+        </a:xfrm>
+      </p:grpSpPr>
+      <p:sp>
+        <p:nvSpPr>
+          <p:cNvPr id="2" name="Title 1">
+            <a:extLst>
+              <a:ext uri="{FF2B5EF4-FFF2-40B4-BE49-F238E27FC236}">
+                <a16:creationId xmlns:a16="http://schemas.microsoft.com/office/drawing/2014/main" id="{6E17B82B-34F1-A5C2-A5D8-54986AE443C6}"/>
+              </a:ext>
+            </a:extLst>
+          </p:cNvPr>
+          <p:cNvSpPr>
+            <a:spLocks noGrp="1"/>
+          </p:cNvSpPr>
+          <p:nvPr>
+            <p:ph type="title"/>
+          </p:nvPr>
+        </p:nvSpPr>
+        <p:spPr/>
+        <p:txBody>
+          <a:bodyPr/>
+          <a:lstStyle/>
+          <a:p>
+            <a:r>
+              <a:rPr lang="en-US" sz="6000" kern="100" dirty="0">
+                <a:effectLst/>
+                <a:ea typeface="Calibri" panose="020F0502020204030204" pitchFamily="34" charset="0"/>
+                <a:cs typeface="Arial" panose="020B0604020202020204" pitchFamily="34" charset="0"/>
+              </a:rPr>
+              <a:t>DROPPING EXCESS COLUMNS</a:t>
+            </a:r>
+            <a:endParaRPr lang="en-US" dirty="0"/>
+          </a:p>
+        </p:txBody>
+      </p:sp>
+      <p:sp>
+        <p:nvSpPr>
+          <p:cNvPr id="3" name="Text Placeholder 2">
+            <a:extLst>
+              <a:ext uri="{FF2B5EF4-FFF2-40B4-BE49-F238E27FC236}">
+                <a16:creationId xmlns:a16="http://schemas.microsoft.com/office/drawing/2014/main" id="{02F2AFCF-E2C2-8ADA-BA77-AF1B31745599}"/>
+              </a:ext>
+            </a:extLst>
+          </p:cNvPr>
+          <p:cNvSpPr>
+            <a:spLocks noGrp="1"/>
+          </p:cNvSpPr>
+          <p:nvPr>
+            <p:ph type="body" sz="quarter" idx="10"/>
+          </p:nvPr>
+        </p:nvSpPr>
+        <p:spPr/>
+        <p:txBody>
+          <a:bodyPr/>
+          <a:lstStyle/>
+          <a:p>
+            <a:endParaRPr lang="en-US"/>
+          </a:p>
+        </p:txBody>
+      </p:sp>
+    </p:spTree>
+    <p:extLst>
+      <p:ext uri="{BB962C8B-B14F-4D97-AF65-F5344CB8AC3E}">
+        <p14:creationId xmlns:p14="http://schemas.microsoft.com/office/powerpoint/2010/main" val="2245544329"/>
+      </p:ext>
+    </p:extLst>
+  </p:cSld>
+  <p:clrMapOvr>
+    <a:masterClrMapping/>
+  </p:clrMapOvr>
+</p:sld>
+</file>
+
+<file path=ppt/slides/slide7.xml><?xml version="1.0" encoding="utf-8"?>
+<p:sld xmlns:a="http://schemas.openxmlformats.org/drawingml/2006/main" xmlns:r="http://schemas.openxmlformats.org/officeDocument/2006/relationships" xmlns:p="http://schemas.openxmlformats.org/presentationml/2006/main">
+  <p:cSld>
+    <p:spTree>
+      <p:nvGrpSpPr>
+        <p:cNvPr id="1" name=""/>
+        <p:cNvGrpSpPr/>
+        <p:nvPr/>
+      </p:nvGrpSpPr>
+      <p:grpSpPr>
+        <a:xfrm>
+          <a:off x="0" y="0"/>
+          <a:ext cx="0" cy="0"/>
+          <a:chOff x="0" y="0"/>
+          <a:chExt cx="0" cy="0"/>
+        </a:xfrm>
+      </p:grpSpPr>
+      <p:sp>
+        <p:nvSpPr>
+          <p:cNvPr id="2" name="Title 1">
+            <a:extLst>
+              <a:ext uri="{FF2B5EF4-FFF2-40B4-BE49-F238E27FC236}">
+                <a16:creationId xmlns:a16="http://schemas.microsoft.com/office/drawing/2014/main" id="{649B5CA8-4B35-F03D-5778-DB9F4300C811}"/>
+              </a:ext>
+            </a:extLst>
+          </p:cNvPr>
+          <p:cNvSpPr>
+            <a:spLocks noGrp="1"/>
+          </p:cNvSpPr>
+          <p:nvPr>
+            <p:ph type="title"/>
+          </p:nvPr>
+        </p:nvSpPr>
+        <p:spPr/>
+        <p:txBody>
+          <a:bodyPr>
+            <a:normAutofit fontScale="90000"/>
+          </a:bodyPr>
+          <a:lstStyle/>
+          <a:p>
+            <a:r>
+              <a:rPr lang="en-US" sz="6000" kern="100" dirty="0">
+                <a:effectLst/>
+                <a:ea typeface="Calibri" panose="020F0502020204030204" pitchFamily="34" charset="0"/>
+                <a:cs typeface="Arial" panose="020B0604020202020204" pitchFamily="34" charset="0"/>
+              </a:rPr>
+              <a:t>REMOVING EXCESS WHITESPACE</a:t>
+            </a:r>
+            <a:br>
+              <a:rPr lang="en-US" sz="6000" kern="100" dirty="0">
+                <a:effectLst/>
+                <a:ea typeface="Calibri" panose="020F0502020204030204" pitchFamily="34" charset="0"/>
+                <a:cs typeface="Arial" panose="020B0604020202020204" pitchFamily="34" charset="0"/>
+              </a:rPr>
+            </a:br>
+            <a:endParaRPr lang="en-US" dirty="0"/>
+          </a:p>
+        </p:txBody>
+      </p:sp>
+      <p:sp>
+        <p:nvSpPr>
+          <p:cNvPr id="3" name="Text Placeholder 2">
+            <a:extLst>
+              <a:ext uri="{FF2B5EF4-FFF2-40B4-BE49-F238E27FC236}">
+                <a16:creationId xmlns:a16="http://schemas.microsoft.com/office/drawing/2014/main" id="{23669E45-8656-DF38-0974-B5147E379DBC}"/>
+              </a:ext>
+            </a:extLst>
+          </p:cNvPr>
+          <p:cNvSpPr>
+            <a:spLocks noGrp="1"/>
+          </p:cNvSpPr>
+          <p:nvPr>
+            <p:ph type="body" sz="quarter" idx="10"/>
+          </p:nvPr>
+        </p:nvSpPr>
+        <p:spPr/>
+        <p:txBody>
+          <a:bodyPr/>
+          <a:lstStyle/>
+          <a:p>
+            <a:endParaRPr lang="en-US"/>
+          </a:p>
+        </p:txBody>
+      </p:sp>
+    </p:spTree>
+    <p:extLst>
+      <p:ext uri="{BB962C8B-B14F-4D97-AF65-F5344CB8AC3E}">
+        <p14:creationId xmlns:p14="http://schemas.microsoft.com/office/powerpoint/2010/main" val="1857062599"/>
+      </p:ext>
+    </p:extLst>
+  </p:cSld>
+  <p:clrMapOvr>
+    <a:masterClrMapping/>
+  </p:clrMapOvr>
+</p:sld>
+</file>
+
+<file path=ppt/slides/slide8.xml><?xml version="1.0" encoding="utf-8"?>
+<p:sld xmlns:a="http://schemas.openxmlformats.org/drawingml/2006/main" xmlns:r="http://schemas.openxmlformats.org/officeDocument/2006/relationships" xmlns:p="http://schemas.openxmlformats.org/presentationml/2006/main">
+  <p:cSld>
+    <p:spTree>
+      <p:nvGrpSpPr>
+        <p:cNvPr id="1" name=""/>
+        <p:cNvGrpSpPr/>
+        <p:nvPr/>
+      </p:nvGrpSpPr>
+      <p:grpSpPr>
+        <a:xfrm>
+          <a:off x="0" y="0"/>
+          <a:ext cx="0" cy="0"/>
+          <a:chOff x="0" y="0"/>
+          <a:chExt cx="0" cy="0"/>
+        </a:xfrm>
+      </p:grpSpPr>
+      <p:sp>
+        <p:nvSpPr>
+          <p:cNvPr id="2" name="Title 1">
+            <a:extLst>
+              <a:ext uri="{FF2B5EF4-FFF2-40B4-BE49-F238E27FC236}">
+                <a16:creationId xmlns:a16="http://schemas.microsoft.com/office/drawing/2014/main" id="{9FAD2B19-E550-9A86-073A-39786BB99C0D}"/>
+              </a:ext>
+            </a:extLst>
+          </p:cNvPr>
+          <p:cNvSpPr>
+            <a:spLocks noGrp="1"/>
+          </p:cNvSpPr>
+          <p:nvPr>
+            <p:ph type="title"/>
+          </p:nvPr>
+        </p:nvSpPr>
+        <p:spPr/>
+        <p:txBody>
+          <a:bodyPr>
+            <a:normAutofit fontScale="90000"/>
+          </a:bodyPr>
+          <a:lstStyle/>
+          <a:p>
+            <a:r>
+              <a:rPr lang="en-US" sz="6000" kern="100" dirty="0">
+                <a:effectLst/>
+                <a:ea typeface="Calibri" panose="020F0502020204030204" pitchFamily="34" charset="0"/>
+                <a:cs typeface="Arial" panose="020B0604020202020204" pitchFamily="34" charset="0"/>
+              </a:rPr>
+              <a:t>DUPLICATE DETECTION</a:t>
+            </a:r>
+            <a:br>
+              <a:rPr lang="en-US" sz="6000" kern="100" dirty="0">
+                <a:effectLst/>
+                <a:ea typeface="Calibri" panose="020F0502020204030204" pitchFamily="34" charset="0"/>
+                <a:cs typeface="Arial" panose="020B0604020202020204" pitchFamily="34" charset="0"/>
+              </a:rPr>
+            </a:br>
+            <a:endParaRPr lang="en-US" dirty="0"/>
+          </a:p>
+        </p:txBody>
+      </p:sp>
+      <p:sp>
+        <p:nvSpPr>
+          <p:cNvPr id="3" name="Text Placeholder 2">
+            <a:extLst>
+              <a:ext uri="{FF2B5EF4-FFF2-40B4-BE49-F238E27FC236}">
+                <a16:creationId xmlns:a16="http://schemas.microsoft.com/office/drawing/2014/main" id="{2AF4FFA5-8CCA-5A55-9216-6887039B7BE2}"/>
+              </a:ext>
+            </a:extLst>
+          </p:cNvPr>
+          <p:cNvSpPr>
+            <a:spLocks noGrp="1"/>
+          </p:cNvSpPr>
+          <p:nvPr>
+            <p:ph type="body" sz="quarter" idx="10"/>
+          </p:nvPr>
+        </p:nvSpPr>
+        <p:spPr/>
+        <p:txBody>
+          <a:bodyPr/>
+          <a:lstStyle/>
+          <a:p>
+            <a:endParaRPr lang="en-US"/>
+          </a:p>
+        </p:txBody>
+      </p:sp>
+    </p:spTree>
+    <p:extLst>
+      <p:ext uri="{BB962C8B-B14F-4D97-AF65-F5344CB8AC3E}">
+        <p14:creationId xmlns:p14="http://schemas.microsoft.com/office/powerpoint/2010/main" val="1941295776"/>
+      </p:ext>
+    </p:extLst>
+  </p:cSld>
+  <p:clrMapOvr>
+    <a:masterClrMapping/>
+  </p:clrMapOvr>
+</p:sld>
+</file>
+
+<file path=ppt/slides/slide9.xml><?xml version="1.0" encoding="utf-8"?>
+<p:sld xmlns:a="http://schemas.openxmlformats.org/drawingml/2006/main" xmlns:r="http://schemas.openxmlformats.org/officeDocument/2006/relationships" xmlns:p="http://schemas.openxmlformats.org/presentationml/2006/main">
+  <p:cSld>
+    <p:spTree>
+      <p:nvGrpSpPr>
+        <p:cNvPr id="1" name=""/>
+        <p:cNvGrpSpPr/>
+        <p:nvPr/>
+      </p:nvGrpSpPr>
+      <p:grpSpPr>
+        <a:xfrm>
+          <a:off x="0" y="0"/>
+          <a:ext cx="0" cy="0"/>
+          <a:chOff x="0" y="0"/>
+          <a:chExt cx="0" cy="0"/>
+        </a:xfrm>
+      </p:grpSpPr>
+      <p:sp>
+        <p:nvSpPr>
+          <p:cNvPr id="2" name="Title 1">
+            <a:extLst>
+              <a:ext uri="{FF2B5EF4-FFF2-40B4-BE49-F238E27FC236}">
+                <a16:creationId xmlns:a16="http://schemas.microsoft.com/office/drawing/2014/main" id="{5866751F-4B6D-A91A-3775-61AA06FC51AE}"/>
+              </a:ext>
+            </a:extLst>
+          </p:cNvPr>
+          <p:cNvSpPr>
+            <a:spLocks noGrp="1"/>
+          </p:cNvSpPr>
+          <p:nvPr>
+            <p:ph type="title"/>
+          </p:nvPr>
+        </p:nvSpPr>
+        <p:spPr/>
+        <p:txBody>
+          <a:bodyPr/>
+          <a:lstStyle/>
+          <a:p>
+            <a:r>
+              <a:rPr lang="en-US" sz="6000" kern="100" dirty="0">
+                <a:effectLst/>
+                <a:ea typeface="Calibri" panose="020F0502020204030204" pitchFamily="34" charset="0"/>
+                <a:cs typeface="Arial" panose="020B0604020202020204" pitchFamily="34" charset="0"/>
+              </a:rPr>
+              <a:t>LEADING VALUES</a:t>
+            </a:r>
+            <a:endParaRPr lang="en-US" dirty="0"/>
+          </a:p>
+        </p:txBody>
+      </p:sp>
+      <p:sp>
+        <p:nvSpPr>
+          <p:cNvPr id="3" name="Text Placeholder 2">
+            <a:extLst>
+              <a:ext uri="{FF2B5EF4-FFF2-40B4-BE49-F238E27FC236}">
+                <a16:creationId xmlns:a16="http://schemas.microsoft.com/office/drawing/2014/main" id="{79F341A4-CD40-3AE3-2992-864F040188BD}"/>
+              </a:ext>
+            </a:extLst>
+          </p:cNvPr>
+          <p:cNvSpPr>
+            <a:spLocks noGrp="1"/>
+          </p:cNvSpPr>
+          <p:nvPr>
+            <p:ph type="body" sz="quarter" idx="10"/>
+          </p:nvPr>
+        </p:nvSpPr>
+        <p:spPr/>
+        <p:txBody>
+          <a:bodyPr/>
+          <a:lstStyle/>
+          <a:p>
+            <a:endParaRPr lang="en-US"/>
+          </a:p>
+        </p:txBody>
+      </p:sp>
+    </p:spTree>
+    <p:extLst>
+      <p:ext uri="{BB962C8B-B14F-4D97-AF65-F5344CB8AC3E}">
+        <p14:creationId xmlns:p14="http://schemas.microsoft.com/office/powerpoint/2010/main" val="3254813355"/>
+      </p:ext>
+    </p:extLst>
+  </p:cSld>
+  <p:clrMapOvr>
+    <a:masterClrMapping/>
+  </p:clrMapOvr>
 </p:sld>
 </file>
 

--- a/Formatted_Slides/Module1_Video4.pptx
+++ b/Formatted_Slides/Module1_Video4.pptx
@@ -5,47 +5,54 @@
     <p:sldMasterId id="2147483660" r:id="rId1"/>
   </p:sldMasterIdLst>
   <p:notesMasterIdLst>
-    <p:notesMasterId r:id="rId16"/>
+    <p:notesMasterId r:id="rId18"/>
   </p:notesMasterIdLst>
   <p:sldIdLst>
     <p:sldId id="452" r:id="rId2"/>
     <p:sldId id="454" r:id="rId3"/>
     <p:sldId id="453" r:id="rId4"/>
     <p:sldId id="457" r:id="rId5"/>
-    <p:sldId id="458" r:id="rId6"/>
-    <p:sldId id="459" r:id="rId7"/>
-    <p:sldId id="460" r:id="rId8"/>
-    <p:sldId id="461" r:id="rId9"/>
-    <p:sldId id="462" r:id="rId10"/>
-    <p:sldId id="463" r:id="rId11"/>
-    <p:sldId id="464" r:id="rId12"/>
-    <p:sldId id="455" r:id="rId13"/>
-    <p:sldId id="456" r:id="rId14"/>
-    <p:sldId id="444" r:id="rId15"/>
+    <p:sldId id="465" r:id="rId6"/>
+    <p:sldId id="466" r:id="rId7"/>
+    <p:sldId id="458" r:id="rId8"/>
+    <p:sldId id="459" r:id="rId9"/>
+    <p:sldId id="460" r:id="rId10"/>
+    <p:sldId id="461" r:id="rId11"/>
+    <p:sldId id="462" r:id="rId12"/>
+    <p:sldId id="463" r:id="rId13"/>
+    <p:sldId id="464" r:id="rId14"/>
+    <p:sldId id="455" r:id="rId15"/>
+    <p:sldId id="456" r:id="rId16"/>
+    <p:sldId id="444" r:id="rId17"/>
   </p:sldIdLst>
   <p:sldSz cx="24384000" cy="13716000"/>
   <p:notesSz cx="6858000" cy="9144000"/>
   <p:embeddedFontLst>
     <p:embeddedFont>
       <p:font typeface="Calibri" panose="020F0502020204030204" pitchFamily="34" charset="0"/>
-      <p:regular r:id="rId17"/>
-      <p:bold r:id="rId18"/>
-      <p:italic r:id="rId19"/>
-      <p:boldItalic r:id="rId20"/>
+      <p:regular r:id="rId19"/>
+      <p:bold r:id="rId20"/>
+      <p:italic r:id="rId21"/>
+      <p:boldItalic r:id="rId22"/>
     </p:embeddedFont>
     <p:embeddedFont>
-      <p:font typeface="Nunito Sans" pitchFamily="2" charset="77"/>
-      <p:regular r:id="rId21"/>
-      <p:bold r:id="rId22"/>
-      <p:italic r:id="rId23"/>
-      <p:boldItalic r:id="rId24"/>
+      <p:font typeface="Nunito Sans" pitchFamily="2" charset="0"/>
+      <p:regular r:id="rId23"/>
+      <p:bold r:id="rId24"/>
+      <p:italic r:id="rId25"/>
+      <p:boldItalic r:id="rId26"/>
     </p:embeddedFont>
     <p:embeddedFont>
-      <p:font typeface="Nunito Sans SemiBold" panose="020F0502020204030204" pitchFamily="34" charset="0"/>
-      <p:regular r:id="rId25"/>
-      <p:bold r:id="rId26"/>
-      <p:italic r:id="rId27"/>
-      <p:boldItalic r:id="rId28"/>
+      <p:font typeface="Nunito Sans SemiBold" pitchFamily="2" charset="0"/>
+      <p:regular r:id="rId27"/>
+      <p:bold r:id="rId28"/>
+      <p:italic r:id="rId29"/>
+      <p:boldItalic r:id="rId30"/>
+    </p:embeddedFont>
+    <p:embeddedFont>
+      <p:font typeface="Open Sans Semibold" panose="020B0706030804020204" pitchFamily="34" charset="0"/>
+      <p:bold r:id="rId31"/>
+      <p:boldItalic r:id="rId32"/>
     </p:embeddedFont>
   </p:embeddedFontLst>
   <p:defaultTextStyle>
@@ -233,7 +240,7 @@
           <a:p>
             <a:fld id="{A1994904-53C7-FE4A-A4F3-9371B9AA3FA4}" type="datetimeFigureOut">
               <a:rPr lang="en-US" smtClean="0"/>
-              <a:t>9/4/23</a:t>
+              <a:t>9/26/2023</a:t>
             </a:fld>
             <a:endParaRPr lang="en-US"/>
           </a:p>
@@ -649,7 +656,7 @@
           <a:p>
             <a:fld id="{D343CE2E-3DB2-2543-A1CC-255A6E8F42E8}" type="slidenum">
               <a:rPr lang="en-US" smtClean="0"/>
-              <a:t>14</a:t>
+              <a:t>16</a:t>
             </a:fld>
             <a:endParaRPr lang="en-US"/>
           </a:p>
@@ -4174,7 +4181,7 @@
           <p:cNvPr id="2" name="Title 1">
             <a:extLst>
               <a:ext uri="{FF2B5EF4-FFF2-40B4-BE49-F238E27FC236}">
-                <a16:creationId xmlns:a16="http://schemas.microsoft.com/office/drawing/2014/main" id="{FCCCAB6C-8DC2-D3BD-7407-B3EECB6E6570}"/>
+                <a16:creationId xmlns:a16="http://schemas.microsoft.com/office/drawing/2014/main" id="{9FAD2B19-E550-9A86-073A-39786BB99C0D}"/>
               </a:ext>
             </a:extLst>
           </p:cNvPr>
@@ -4187,13 +4194,27 @@
         </p:nvSpPr>
         <p:spPr/>
         <p:txBody>
-          <a:bodyPr/>
+          <a:bodyPr>
+            <a:normAutofit fontScale="90000"/>
+          </a:bodyPr>
           <a:lstStyle/>
           <a:p>
             <a:r>
-              <a:rPr lang="en-US" dirty="0"/>
-              <a:t>MERGING COLUMNS</a:t>
-            </a:r>
+              <a:rPr lang="en-US" sz="6000" kern="100" dirty="0">
+                <a:effectLst/>
+                <a:ea typeface="Calibri" panose="020F0502020204030204" pitchFamily="34" charset="0"/>
+                <a:cs typeface="Arial" panose="020B0604020202020204" pitchFamily="34" charset="0"/>
+              </a:rPr>
+              <a:t>DUPLICATE DETECTION</a:t>
+            </a:r>
+            <a:br>
+              <a:rPr lang="en-US" sz="6000" kern="100" dirty="0">
+                <a:effectLst/>
+                <a:ea typeface="Calibri" panose="020F0502020204030204" pitchFamily="34" charset="0"/>
+                <a:cs typeface="Arial" panose="020B0604020202020204" pitchFamily="34" charset="0"/>
+              </a:rPr>
+            </a:br>
+            <a:endParaRPr lang="en-US" dirty="0"/>
           </a:p>
         </p:txBody>
       </p:sp>
@@ -4202,7 +4223,7 @@
           <p:cNvPr id="3" name="Text Placeholder 2">
             <a:extLst>
               <a:ext uri="{FF2B5EF4-FFF2-40B4-BE49-F238E27FC236}">
-                <a16:creationId xmlns:a16="http://schemas.microsoft.com/office/drawing/2014/main" id="{CCFB1E4B-C315-16F5-EE64-D8C877401697}"/>
+                <a16:creationId xmlns:a16="http://schemas.microsoft.com/office/drawing/2014/main" id="{2AF4FFA5-8CCA-5A55-9216-6887039B7BE2}"/>
               </a:ext>
             </a:extLst>
           </p:cNvPr>
@@ -4225,7 +4246,7 @@
     </p:spTree>
     <p:extLst>
       <p:ext uri="{BB962C8B-B14F-4D97-AF65-F5344CB8AC3E}">
-        <p14:creationId xmlns:p14="http://schemas.microsoft.com/office/powerpoint/2010/main" val="998973890"/>
+        <p14:creationId xmlns:p14="http://schemas.microsoft.com/office/powerpoint/2010/main" val="1941295776"/>
       </p:ext>
     </p:extLst>
   </p:cSld>
@@ -4257,7 +4278,7 @@
           <p:cNvPr id="2" name="Title 1">
             <a:extLst>
               <a:ext uri="{FF2B5EF4-FFF2-40B4-BE49-F238E27FC236}">
-                <a16:creationId xmlns:a16="http://schemas.microsoft.com/office/drawing/2014/main" id="{2891A886-4841-E8A3-9DD8-337B4FC3B586}"/>
+                <a16:creationId xmlns:a16="http://schemas.microsoft.com/office/drawing/2014/main" id="{5866751F-4B6D-A91A-3775-61AA06FC51AE}"/>
               </a:ext>
             </a:extLst>
           </p:cNvPr>
@@ -4270,9 +4291,7 @@
         </p:nvSpPr>
         <p:spPr/>
         <p:txBody>
-          <a:bodyPr>
-            <a:normAutofit fontScale="90000"/>
-          </a:bodyPr>
+          <a:bodyPr/>
           <a:lstStyle/>
           <a:p>
             <a:r>
@@ -4281,15 +4300,8 @@
                 <a:ea typeface="Calibri" panose="020F0502020204030204" pitchFamily="34" charset="0"/>
                 <a:cs typeface="Arial" panose="020B0604020202020204" pitchFamily="34" charset="0"/>
               </a:rPr>
-              <a:t>CORRECTING CAPITALIZATION</a:t>
-            </a:r>
-            <a:br>
-              <a:rPr lang="en-US" sz="6000" kern="100" dirty="0">
-                <a:effectLst/>
-                <a:ea typeface="Calibri" panose="020F0502020204030204" pitchFamily="34" charset="0"/>
-                <a:cs typeface="Arial" panose="020B0604020202020204" pitchFamily="34" charset="0"/>
-              </a:rPr>
-            </a:br>
+              <a:t>LEADING VALUES</a:t>
+            </a:r>
             <a:endParaRPr lang="en-US" dirty="0"/>
           </a:p>
         </p:txBody>
@@ -4299,7 +4311,7 @@
           <p:cNvPr id="3" name="Text Placeholder 2">
             <a:extLst>
               <a:ext uri="{FF2B5EF4-FFF2-40B4-BE49-F238E27FC236}">
-                <a16:creationId xmlns:a16="http://schemas.microsoft.com/office/drawing/2014/main" id="{C021B72C-E6F4-08A6-2E5D-9DABAC27B7FA}"/>
+                <a16:creationId xmlns:a16="http://schemas.microsoft.com/office/drawing/2014/main" id="{79F341A4-CD40-3AE3-2992-864F040188BD}"/>
               </a:ext>
             </a:extLst>
           </p:cNvPr>
@@ -4315,14 +4327,14 @@
           <a:bodyPr/>
           <a:lstStyle/>
           <a:p>
-            <a:endParaRPr lang="en-US" dirty="0"/>
+            <a:endParaRPr lang="en-US"/>
           </a:p>
         </p:txBody>
       </p:sp>
     </p:spTree>
     <p:extLst>
       <p:ext uri="{BB962C8B-B14F-4D97-AF65-F5344CB8AC3E}">
-        <p14:creationId xmlns:p14="http://schemas.microsoft.com/office/powerpoint/2010/main" val="690397421"/>
+        <p14:creationId xmlns:p14="http://schemas.microsoft.com/office/powerpoint/2010/main" val="3254813355"/>
       </p:ext>
     </p:extLst>
   </p:cSld>
@@ -4354,7 +4366,7 @@
           <p:cNvPr id="2" name="Title 1">
             <a:extLst>
               <a:ext uri="{FF2B5EF4-FFF2-40B4-BE49-F238E27FC236}">
-                <a16:creationId xmlns:a16="http://schemas.microsoft.com/office/drawing/2014/main" id="{D965F74D-021A-AB4E-0408-E569A1A1D2BC}"/>
+                <a16:creationId xmlns:a16="http://schemas.microsoft.com/office/drawing/2014/main" id="{FCCCAB6C-8DC2-D3BD-7407-B3EECB6E6570}"/>
               </a:ext>
             </a:extLst>
           </p:cNvPr>
@@ -4372,15 +4384,40 @@
           <a:p>
             <a:r>
               <a:rPr lang="en-US" dirty="0"/>
-              <a:t>RECAP</a:t>
-            </a:r>
+              <a:t>MERGING COLUMNS</a:t>
+            </a:r>
+          </a:p>
+        </p:txBody>
+      </p:sp>
+      <p:sp>
+        <p:nvSpPr>
+          <p:cNvPr id="3" name="Text Placeholder 2">
+            <a:extLst>
+              <a:ext uri="{FF2B5EF4-FFF2-40B4-BE49-F238E27FC236}">
+                <a16:creationId xmlns:a16="http://schemas.microsoft.com/office/drawing/2014/main" id="{CCFB1E4B-C315-16F5-EE64-D8C877401697}"/>
+              </a:ext>
+            </a:extLst>
+          </p:cNvPr>
+          <p:cNvSpPr>
+            <a:spLocks noGrp="1"/>
+          </p:cNvSpPr>
+          <p:nvPr>
+            <p:ph type="body" sz="quarter" idx="10"/>
+          </p:nvPr>
+        </p:nvSpPr>
+        <p:spPr/>
+        <p:txBody>
+          <a:bodyPr/>
+          <a:lstStyle/>
+          <a:p>
+            <a:endParaRPr lang="en-US"/>
           </a:p>
         </p:txBody>
       </p:sp>
     </p:spTree>
     <p:extLst>
       <p:ext uri="{BB962C8B-B14F-4D97-AF65-F5344CB8AC3E}">
-        <p14:creationId xmlns:p14="http://schemas.microsoft.com/office/powerpoint/2010/main" val="2055654735"/>
+        <p14:creationId xmlns:p14="http://schemas.microsoft.com/office/powerpoint/2010/main" val="998973890"/>
       </p:ext>
     </p:extLst>
   </p:cSld>
@@ -4412,6 +4449,161 @@
           <p:cNvPr id="2" name="Title 1">
             <a:extLst>
               <a:ext uri="{FF2B5EF4-FFF2-40B4-BE49-F238E27FC236}">
+                <a16:creationId xmlns:a16="http://schemas.microsoft.com/office/drawing/2014/main" id="{2891A886-4841-E8A3-9DD8-337B4FC3B586}"/>
+              </a:ext>
+            </a:extLst>
+          </p:cNvPr>
+          <p:cNvSpPr>
+            <a:spLocks noGrp="1"/>
+          </p:cNvSpPr>
+          <p:nvPr>
+            <p:ph type="title"/>
+          </p:nvPr>
+        </p:nvSpPr>
+        <p:spPr/>
+        <p:txBody>
+          <a:bodyPr>
+            <a:normAutofit fontScale="90000"/>
+          </a:bodyPr>
+          <a:lstStyle/>
+          <a:p>
+            <a:r>
+              <a:rPr lang="en-US" sz="6000" kern="100" dirty="0">
+                <a:effectLst/>
+                <a:ea typeface="Calibri" panose="020F0502020204030204" pitchFamily="34" charset="0"/>
+                <a:cs typeface="Arial" panose="020B0604020202020204" pitchFamily="34" charset="0"/>
+              </a:rPr>
+              <a:t>CORRECTING CAPITALIZATION</a:t>
+            </a:r>
+            <a:br>
+              <a:rPr lang="en-US" sz="6000" kern="100" dirty="0">
+                <a:effectLst/>
+                <a:ea typeface="Calibri" panose="020F0502020204030204" pitchFamily="34" charset="0"/>
+                <a:cs typeface="Arial" panose="020B0604020202020204" pitchFamily="34" charset="0"/>
+              </a:rPr>
+            </a:br>
+            <a:endParaRPr lang="en-US" dirty="0"/>
+          </a:p>
+        </p:txBody>
+      </p:sp>
+      <p:sp>
+        <p:nvSpPr>
+          <p:cNvPr id="3" name="Text Placeholder 2">
+            <a:extLst>
+              <a:ext uri="{FF2B5EF4-FFF2-40B4-BE49-F238E27FC236}">
+                <a16:creationId xmlns:a16="http://schemas.microsoft.com/office/drawing/2014/main" id="{C021B72C-E6F4-08A6-2E5D-9DABAC27B7FA}"/>
+              </a:ext>
+            </a:extLst>
+          </p:cNvPr>
+          <p:cNvSpPr>
+            <a:spLocks noGrp="1"/>
+          </p:cNvSpPr>
+          <p:nvPr>
+            <p:ph type="body" sz="quarter" idx="10"/>
+          </p:nvPr>
+        </p:nvSpPr>
+        <p:spPr/>
+        <p:txBody>
+          <a:bodyPr/>
+          <a:lstStyle/>
+          <a:p>
+            <a:endParaRPr lang="en-US" dirty="0"/>
+          </a:p>
+        </p:txBody>
+      </p:sp>
+    </p:spTree>
+    <p:extLst>
+      <p:ext uri="{BB962C8B-B14F-4D97-AF65-F5344CB8AC3E}">
+        <p14:creationId xmlns:p14="http://schemas.microsoft.com/office/powerpoint/2010/main" val="690397421"/>
+      </p:ext>
+    </p:extLst>
+  </p:cSld>
+  <p:clrMapOvr>
+    <a:masterClrMapping/>
+  </p:clrMapOvr>
+</p:sld>
+</file>
+
+<file path=ppt/slides/slide14.xml><?xml version="1.0" encoding="utf-8"?>
+<p:sld xmlns:a="http://schemas.openxmlformats.org/drawingml/2006/main" xmlns:r="http://schemas.openxmlformats.org/officeDocument/2006/relationships" xmlns:p="http://schemas.openxmlformats.org/presentationml/2006/main">
+  <p:cSld>
+    <p:spTree>
+      <p:nvGrpSpPr>
+        <p:cNvPr id="1" name=""/>
+        <p:cNvGrpSpPr/>
+        <p:nvPr/>
+      </p:nvGrpSpPr>
+      <p:grpSpPr>
+        <a:xfrm>
+          <a:off x="0" y="0"/>
+          <a:ext cx="0" cy="0"/>
+          <a:chOff x="0" y="0"/>
+          <a:chExt cx="0" cy="0"/>
+        </a:xfrm>
+      </p:grpSpPr>
+      <p:sp>
+        <p:nvSpPr>
+          <p:cNvPr id="2" name="Title 1">
+            <a:extLst>
+              <a:ext uri="{FF2B5EF4-FFF2-40B4-BE49-F238E27FC236}">
+                <a16:creationId xmlns:a16="http://schemas.microsoft.com/office/drawing/2014/main" id="{D965F74D-021A-AB4E-0408-E569A1A1D2BC}"/>
+              </a:ext>
+            </a:extLst>
+          </p:cNvPr>
+          <p:cNvSpPr>
+            <a:spLocks noGrp="1"/>
+          </p:cNvSpPr>
+          <p:nvPr>
+            <p:ph type="title"/>
+          </p:nvPr>
+        </p:nvSpPr>
+        <p:spPr/>
+        <p:txBody>
+          <a:bodyPr/>
+          <a:lstStyle/>
+          <a:p>
+            <a:r>
+              <a:rPr lang="en-US" dirty="0"/>
+              <a:t>RECAP</a:t>
+            </a:r>
+          </a:p>
+        </p:txBody>
+      </p:sp>
+    </p:spTree>
+    <p:extLst>
+      <p:ext uri="{BB962C8B-B14F-4D97-AF65-F5344CB8AC3E}">
+        <p14:creationId xmlns:p14="http://schemas.microsoft.com/office/powerpoint/2010/main" val="2055654735"/>
+      </p:ext>
+    </p:extLst>
+  </p:cSld>
+  <p:clrMapOvr>
+    <a:masterClrMapping/>
+  </p:clrMapOvr>
+</p:sld>
+</file>
+
+<file path=ppt/slides/slide15.xml><?xml version="1.0" encoding="utf-8"?>
+<p:sld xmlns:a="http://schemas.openxmlformats.org/drawingml/2006/main" xmlns:r="http://schemas.openxmlformats.org/officeDocument/2006/relationships" xmlns:p="http://schemas.openxmlformats.org/presentationml/2006/main">
+  <p:cSld>
+    <p:spTree>
+      <p:nvGrpSpPr>
+        <p:cNvPr id="1" name=""/>
+        <p:cNvGrpSpPr/>
+        <p:nvPr/>
+      </p:nvGrpSpPr>
+      <p:grpSpPr>
+        <a:xfrm>
+          <a:off x="0" y="0"/>
+          <a:ext cx="0" cy="0"/>
+          <a:chOff x="0" y="0"/>
+          <a:chExt cx="0" cy="0"/>
+        </a:xfrm>
+      </p:grpSpPr>
+      <p:sp>
+        <p:nvSpPr>
+          <p:cNvPr id="2" name="Title 1">
+            <a:extLst>
+              <a:ext uri="{FF2B5EF4-FFF2-40B4-BE49-F238E27FC236}">
                 <a16:creationId xmlns:a16="http://schemas.microsoft.com/office/drawing/2014/main" id="{5E82CED9-4ECF-3FA7-6015-9160C86BE7E9}"/>
               </a:ext>
             </a:extLst>
@@ -4448,7 +4640,7 @@
 </p:sld>
 </file>
 
-<file path=ppt/slides/slide14.xml><?xml version="1.0" encoding="utf-8"?>
+<file path=ppt/slides/slide16.xml><?xml version="1.0" encoding="utf-8"?>
 <p:sld xmlns:a="http://schemas.openxmlformats.org/drawingml/2006/main" xmlns:r="http://schemas.openxmlformats.org/officeDocument/2006/relationships" xmlns:p="http://schemas.openxmlformats.org/presentationml/2006/main">
   <p:cSld>
     <p:bg>
@@ -5694,32 +5886,132 @@
           </a:p>
         </p:txBody>
       </p:sp>
-      <p:sp>
-        <p:nvSpPr>
-          <p:cNvPr id="7" name="Text Placeholder 6">
-            <a:extLst>
-              <a:ext uri="{FF2B5EF4-FFF2-40B4-BE49-F238E27FC236}">
-                <a16:creationId xmlns:a16="http://schemas.microsoft.com/office/drawing/2014/main" id="{0710D663-22FD-268E-608A-A5A6F8F14CA8}"/>
-              </a:ext>
-            </a:extLst>
-          </p:cNvPr>
-          <p:cNvSpPr>
-            <a:spLocks noGrp="1"/>
-          </p:cNvSpPr>
-          <p:nvPr>
-            <p:ph type="body" sz="quarter" idx="10"/>
-          </p:nvPr>
-        </p:nvSpPr>
-        <p:spPr/>
-        <p:txBody>
-          <a:bodyPr/>
+      <p:pic>
+        <p:nvPicPr>
+          <p:cNvPr id="3" name="Picture 2">
+            <a:extLst>
+              <a:ext uri="{FF2B5EF4-FFF2-40B4-BE49-F238E27FC236}">
+                <a16:creationId xmlns:a16="http://schemas.microsoft.com/office/drawing/2014/main" id="{424DB340-CCA6-36B4-F97D-E5716F57B3CC}"/>
+              </a:ext>
+            </a:extLst>
+          </p:cNvPr>
+          <p:cNvPicPr>
+            <a:picLocks noChangeAspect="1"/>
+          </p:cNvPicPr>
+          <p:nvPr/>
+        </p:nvPicPr>
+        <p:blipFill>
+          <a:blip r:embed="rId2"/>
+          <a:stretch>
+            <a:fillRect/>
+          </a:stretch>
+        </p:blipFill>
+        <p:spPr>
+          <a:xfrm>
+            <a:off x="4171174" y="3078014"/>
+            <a:ext cx="13960080" cy="6959121"/>
+          </a:xfrm>
+          <a:prstGeom prst="rect">
+            <a:avLst/>
+          </a:prstGeom>
+        </p:spPr>
+      </p:pic>
+      <p:sp>
+        <p:nvSpPr>
+          <p:cNvPr id="4" name="Arrow: Down 3">
+            <a:extLst>
+              <a:ext uri="{FF2B5EF4-FFF2-40B4-BE49-F238E27FC236}">
+                <a16:creationId xmlns:a16="http://schemas.microsoft.com/office/drawing/2014/main" id="{44F1C16C-FDC0-57AB-491C-656C11671979}"/>
+              </a:ext>
+            </a:extLst>
+          </p:cNvPr>
+          <p:cNvSpPr/>
+          <p:nvPr/>
+        </p:nvSpPr>
+        <p:spPr>
+          <a:xfrm>
+            <a:off x="13439551" y="3571978"/>
+            <a:ext cx="467833" cy="1010093"/>
+          </a:xfrm>
+          <a:prstGeom prst="downArrow">
+            <a:avLst/>
+          </a:prstGeom>
+          <a:solidFill>
+            <a:srgbClr val="FE6869"/>
+          </a:solidFill>
+          <a:ln>
+            <a:noFill/>
+          </a:ln>
+        </p:spPr>
+        <p:style>
+          <a:lnRef idx="2">
+            <a:schemeClr val="accent1">
+              <a:shade val="50000"/>
+            </a:schemeClr>
+          </a:lnRef>
+          <a:fillRef idx="1">
+            <a:schemeClr val="accent1"/>
+          </a:fillRef>
+          <a:effectRef idx="0">
+            <a:schemeClr val="accent1"/>
+          </a:effectRef>
+          <a:fontRef idx="minor">
+            <a:schemeClr val="lt1"/>
+          </a:fontRef>
+        </p:style>
+        <p:txBody>
+          <a:bodyPr rtlCol="0" anchor="ctr"/>
           <a:lstStyle/>
           <a:p>
-            <a:endParaRPr lang="en-US" sz="2800" kern="100" dirty="0">
-              <a:effectLst/>
-              <a:ea typeface="Calibri" panose="020F0502020204030204" pitchFamily="34" charset="0"/>
-              <a:cs typeface="Arial" panose="020B0604020202020204" pitchFamily="34" charset="0"/>
+            <a:pPr algn="ctr"/>
+            <a:endParaRPr lang="en-US">
+              <a:solidFill>
+                <a:schemeClr val="tx1"/>
+              </a:solidFill>
             </a:endParaRPr>
+          </a:p>
+        </p:txBody>
+      </p:sp>
+      <p:sp>
+        <p:nvSpPr>
+          <p:cNvPr id="11" name="TextBox 10">
+            <a:extLst>
+              <a:ext uri="{FF2B5EF4-FFF2-40B4-BE49-F238E27FC236}">
+                <a16:creationId xmlns:a16="http://schemas.microsoft.com/office/drawing/2014/main" id="{99A2BAE2-4C9B-AF0E-4A3A-C9A8B29ACFCA}"/>
+              </a:ext>
+            </a:extLst>
+          </p:cNvPr>
+          <p:cNvSpPr txBox="1"/>
+          <p:nvPr/>
+        </p:nvSpPr>
+        <p:spPr>
+          <a:xfrm>
+            <a:off x="10838519" y="2318433"/>
+            <a:ext cx="5669896" cy="830997"/>
+          </a:xfrm>
+          <a:prstGeom prst="rect">
+            <a:avLst/>
+          </a:prstGeom>
+          <a:noFill/>
+        </p:spPr>
+        <p:txBody>
+          <a:bodyPr wrap="square" rtlCol="0">
+            <a:spAutoFit/>
+          </a:bodyPr>
+          <a:lstStyle/>
+          <a:p>
+            <a:pPr algn="ctr"/>
+            <a:r>
+              <a:rPr lang="en-US" sz="2400" dirty="0">
+                <a:solidFill>
+                  <a:srgbClr val="414141"/>
+                </a:solidFill>
+                <a:latin typeface="Open Sans Semibold" panose="020B0706030804020204" pitchFamily="34" charset="0"/>
+                <a:ea typeface="Open Sans Semibold" panose="020B0706030804020204" pitchFamily="34" charset="0"/>
+                <a:cs typeface="Open Sans Semibold" panose="020B0706030804020204" pitchFamily="34" charset="0"/>
+              </a:rPr>
+              <a:t>We will use the “import dataset” function for this tutorial.</a:t>
+            </a:r>
           </a:p>
         </p:txBody>
       </p:sp>
@@ -5758,7 +6050,7 @@
           <p:cNvPr id="2" name="Title 1">
             <a:extLst>
               <a:ext uri="{FF2B5EF4-FFF2-40B4-BE49-F238E27FC236}">
-                <a16:creationId xmlns:a16="http://schemas.microsoft.com/office/drawing/2014/main" id="{094DAE56-070A-DA21-5671-21C92F78CA9F}"/>
+                <a16:creationId xmlns:a16="http://schemas.microsoft.com/office/drawing/2014/main" id="{CA9E768A-2160-4078-3DEE-422578174B03}"/>
               </a:ext>
             </a:extLst>
           </p:cNvPr>
@@ -5775,21 +6067,9 @@
           <a:lstStyle/>
           <a:p>
             <a:r>
-              <a:rPr lang="en-US" kern="100" dirty="0">
-                <a:ea typeface="Calibri" panose="020F0502020204030204" pitchFamily="34" charset="0"/>
-                <a:cs typeface="Arial" panose="020B0604020202020204" pitchFamily="34" charset="0"/>
-              </a:rPr>
-              <a:t>MISSING</a:t>
-            </a:r>
-            <a:r>
-              <a:rPr lang="en-US" sz="6000" kern="100" dirty="0">
-                <a:effectLst/>
-                <a:ea typeface="Calibri" panose="020F0502020204030204" pitchFamily="34" charset="0"/>
-                <a:cs typeface="Arial" panose="020B0604020202020204" pitchFamily="34" charset="0"/>
-              </a:rPr>
-              <a:t> VALUES</a:t>
-            </a:r>
-            <a:endParaRPr lang="en-US" dirty="0"/>
+              <a:rPr lang="en-US" dirty="0"/>
+              <a:t>FILE IMPORT</a:t>
+            </a:r>
           </a:p>
         </p:txBody>
       </p:sp>
@@ -5798,7 +6078,7 @@
           <p:cNvPr id="3" name="Text Placeholder 2">
             <a:extLst>
               <a:ext uri="{FF2B5EF4-FFF2-40B4-BE49-F238E27FC236}">
-                <a16:creationId xmlns:a16="http://schemas.microsoft.com/office/drawing/2014/main" id="{F6F42720-8C28-4C7F-D510-6D9BCF9A7CF1}"/>
+                <a16:creationId xmlns:a16="http://schemas.microsoft.com/office/drawing/2014/main" id="{2F536769-56A0-3454-E2BC-1323EBD98706}"/>
               </a:ext>
             </a:extLst>
           </p:cNvPr>
@@ -5809,19 +6089,96 @@
             <p:ph type="body" sz="quarter" idx="10"/>
           </p:nvPr>
         </p:nvSpPr>
-        <p:spPr/>
+        <p:spPr>
+          <a:xfrm>
+            <a:off x="11699631" y="2829020"/>
+            <a:ext cx="9636369" cy="7815459"/>
+          </a:xfrm>
+        </p:spPr>
         <p:txBody>
           <a:bodyPr/>
           <a:lstStyle/>
           <a:p>
-            <a:endParaRPr lang="en-US"/>
-          </a:p>
-        </p:txBody>
-      </p:sp>
+            <a:pPr marL="457200" indent="-457200">
+              <a:buFont typeface="Arial" panose="020B0604020202020204" pitchFamily="34" charset="0"/>
+              <a:buChar char="•"/>
+            </a:pPr>
+            <a:r>
+              <a:rPr lang="en-US" sz="4000" dirty="0"/>
+              <a:t>After clicking “file import”, you may choose from a selection of file types.</a:t>
+            </a:r>
+          </a:p>
+          <a:p>
+            <a:pPr marL="457200" indent="-457200">
+              <a:buFont typeface="Arial" panose="020B0604020202020204" pitchFamily="34" charset="0"/>
+              <a:buChar char="•"/>
+            </a:pPr>
+            <a:r>
+              <a:rPr lang="en-US" sz="4000" dirty="0"/>
+              <a:t>We will focus on text (base) and Excel.</a:t>
+            </a:r>
+          </a:p>
+          <a:p>
+            <a:pPr marL="457200" indent="-457200">
+              <a:buFont typeface="Arial" panose="020B0604020202020204" pitchFamily="34" charset="0"/>
+              <a:buChar char="•"/>
+            </a:pPr>
+            <a:r>
+              <a:rPr lang="en-US" sz="4000" dirty="0"/>
+              <a:t>Text (base) is good for .csv and .txt file types, while Excel work for .</a:t>
+            </a:r>
+            <a:r>
+              <a:rPr lang="en-US" sz="4000" dirty="0" err="1"/>
+              <a:t>xls</a:t>
+            </a:r>
+            <a:r>
+              <a:rPr lang="en-US" sz="4000" dirty="0"/>
+              <a:t> and xlsx.</a:t>
+            </a:r>
+          </a:p>
+          <a:p>
+            <a:pPr marL="457200" indent="-457200">
+              <a:buFont typeface="Arial" panose="020B0604020202020204" pitchFamily="34" charset="0"/>
+              <a:buChar char="•"/>
+            </a:pPr>
+            <a:endParaRPr lang="en-US" sz="4800" dirty="0"/>
+          </a:p>
+        </p:txBody>
+      </p:sp>
+      <p:pic>
+        <p:nvPicPr>
+          <p:cNvPr id="5" name="Picture 4">
+            <a:extLst>
+              <a:ext uri="{FF2B5EF4-FFF2-40B4-BE49-F238E27FC236}">
+                <a16:creationId xmlns:a16="http://schemas.microsoft.com/office/drawing/2014/main" id="{F9C7BA75-A946-C5F4-9B1C-0B321963321C}"/>
+              </a:ext>
+            </a:extLst>
+          </p:cNvPr>
+          <p:cNvPicPr>
+            <a:picLocks noChangeAspect="1"/>
+          </p:cNvPicPr>
+          <p:nvPr/>
+        </p:nvPicPr>
+        <p:blipFill>
+          <a:blip r:embed="rId2"/>
+          <a:stretch>
+            <a:fillRect/>
+          </a:stretch>
+        </p:blipFill>
+        <p:spPr>
+          <a:xfrm>
+            <a:off x="2086708" y="2758756"/>
+            <a:ext cx="7521645" cy="7815459"/>
+          </a:xfrm>
+          <a:prstGeom prst="rect">
+            <a:avLst/>
+          </a:prstGeom>
+        </p:spPr>
+      </p:pic>
     </p:spTree>
     <p:extLst>
       <p:ext uri="{BB962C8B-B14F-4D97-AF65-F5344CB8AC3E}">
-        <p14:creationId xmlns:p14="http://schemas.microsoft.com/office/powerpoint/2010/main" val="3381351601"/>
+        <p14:creationId xmlns:p14="http://schemas.microsoft.com/office/powerpoint/2010/main" val="4113543992"/>
       </p:ext>
     </p:extLst>
   </p:cSld>
@@ -5853,7 +6210,7 @@
           <p:cNvPr id="2" name="Title 1">
             <a:extLst>
               <a:ext uri="{FF2B5EF4-FFF2-40B4-BE49-F238E27FC236}">
-                <a16:creationId xmlns:a16="http://schemas.microsoft.com/office/drawing/2014/main" id="{6E17B82B-34F1-A5C2-A5D8-54986AE443C6}"/>
+                <a16:creationId xmlns:a16="http://schemas.microsoft.com/office/drawing/2014/main" id="{1ADCADC0-B474-8ECD-1B6D-8B7ECF7902E9}"/>
               </a:ext>
             </a:extLst>
           </p:cNvPr>
@@ -5870,14 +6227,9 @@
           <a:lstStyle/>
           <a:p>
             <a:r>
-              <a:rPr lang="en-US" sz="6000" kern="100" dirty="0">
-                <a:effectLst/>
-                <a:ea typeface="Calibri" panose="020F0502020204030204" pitchFamily="34" charset="0"/>
-                <a:cs typeface="Arial" panose="020B0604020202020204" pitchFamily="34" charset="0"/>
-              </a:rPr>
-              <a:t>DROPPING EXCESS COLUMNS</a:t>
-            </a:r>
-            <a:endParaRPr lang="en-US" dirty="0"/>
+              <a:rPr lang="en-US" dirty="0"/>
+              <a:t>FILE IMPORT – TEXT (BASE)</a:t>
+            </a:r>
           </a:p>
         </p:txBody>
       </p:sp>
@@ -5886,7 +6238,7 @@
           <p:cNvPr id="3" name="Text Placeholder 2">
             <a:extLst>
               <a:ext uri="{FF2B5EF4-FFF2-40B4-BE49-F238E27FC236}">
-                <a16:creationId xmlns:a16="http://schemas.microsoft.com/office/drawing/2014/main" id="{02F2AFCF-E2C2-8ADA-BA77-AF1B31745599}"/>
+                <a16:creationId xmlns:a16="http://schemas.microsoft.com/office/drawing/2014/main" id="{296E20E7-207A-4EED-DEF5-CB2847EC27FA}"/>
               </a:ext>
             </a:extLst>
           </p:cNvPr>
@@ -5902,14 +6254,14 @@
           <a:bodyPr/>
           <a:lstStyle/>
           <a:p>
-            <a:endParaRPr lang="en-US"/>
+            <a:endParaRPr lang="en-US" dirty="0"/>
           </a:p>
         </p:txBody>
       </p:sp>
     </p:spTree>
     <p:extLst>
       <p:ext uri="{BB962C8B-B14F-4D97-AF65-F5344CB8AC3E}">
-        <p14:creationId xmlns:p14="http://schemas.microsoft.com/office/powerpoint/2010/main" val="2245544329"/>
+        <p14:creationId xmlns:p14="http://schemas.microsoft.com/office/powerpoint/2010/main" val="3036388459"/>
       </p:ext>
     </p:extLst>
   </p:cSld>
@@ -5941,7 +6293,7 @@
           <p:cNvPr id="2" name="Title 1">
             <a:extLst>
               <a:ext uri="{FF2B5EF4-FFF2-40B4-BE49-F238E27FC236}">
-                <a16:creationId xmlns:a16="http://schemas.microsoft.com/office/drawing/2014/main" id="{649B5CA8-4B35-F03D-5778-DB9F4300C811}"/>
+                <a16:creationId xmlns:a16="http://schemas.microsoft.com/office/drawing/2014/main" id="{094DAE56-070A-DA21-5671-21C92F78CA9F}"/>
               </a:ext>
             </a:extLst>
           </p:cNvPr>
@@ -5954,26 +6306,24 @@
         </p:nvSpPr>
         <p:spPr/>
         <p:txBody>
-          <a:bodyPr>
-            <a:normAutofit fontScale="90000"/>
-          </a:bodyPr>
+          <a:bodyPr/>
           <a:lstStyle/>
           <a:p>
+            <a:r>
+              <a:rPr lang="en-US" kern="100" dirty="0">
+                <a:ea typeface="Calibri" panose="020F0502020204030204" pitchFamily="34" charset="0"/>
+                <a:cs typeface="Arial" panose="020B0604020202020204" pitchFamily="34" charset="0"/>
+              </a:rPr>
+              <a:t>MISSING</a:t>
+            </a:r>
             <a:r>
               <a:rPr lang="en-US" sz="6000" kern="100" dirty="0">
                 <a:effectLst/>
                 <a:ea typeface="Calibri" panose="020F0502020204030204" pitchFamily="34" charset="0"/>
                 <a:cs typeface="Arial" panose="020B0604020202020204" pitchFamily="34" charset="0"/>
               </a:rPr>
-              <a:t>REMOVING EXCESS WHITESPACE</a:t>
-            </a:r>
-            <a:br>
-              <a:rPr lang="en-US" sz="6000" kern="100" dirty="0">
-                <a:effectLst/>
-                <a:ea typeface="Calibri" panose="020F0502020204030204" pitchFamily="34" charset="0"/>
-                <a:cs typeface="Arial" panose="020B0604020202020204" pitchFamily="34" charset="0"/>
-              </a:rPr>
-            </a:br>
+              <a:t> VALUES</a:t>
+            </a:r>
             <a:endParaRPr lang="en-US" dirty="0"/>
           </a:p>
         </p:txBody>
@@ -5983,7 +6333,7 @@
           <p:cNvPr id="3" name="Text Placeholder 2">
             <a:extLst>
               <a:ext uri="{FF2B5EF4-FFF2-40B4-BE49-F238E27FC236}">
-                <a16:creationId xmlns:a16="http://schemas.microsoft.com/office/drawing/2014/main" id="{23669E45-8656-DF38-0974-B5147E379DBC}"/>
+                <a16:creationId xmlns:a16="http://schemas.microsoft.com/office/drawing/2014/main" id="{F6F42720-8C28-4C7F-D510-6D9BCF9A7CF1}"/>
               </a:ext>
             </a:extLst>
           </p:cNvPr>
@@ -6006,7 +6356,7 @@
     </p:spTree>
     <p:extLst>
       <p:ext uri="{BB962C8B-B14F-4D97-AF65-F5344CB8AC3E}">
-        <p14:creationId xmlns:p14="http://schemas.microsoft.com/office/powerpoint/2010/main" val="1857062599"/>
+        <p14:creationId xmlns:p14="http://schemas.microsoft.com/office/powerpoint/2010/main" val="3381351601"/>
       </p:ext>
     </p:extLst>
   </p:cSld>
@@ -6038,7 +6388,7 @@
           <p:cNvPr id="2" name="Title 1">
             <a:extLst>
               <a:ext uri="{FF2B5EF4-FFF2-40B4-BE49-F238E27FC236}">
-                <a16:creationId xmlns:a16="http://schemas.microsoft.com/office/drawing/2014/main" id="{9FAD2B19-E550-9A86-073A-39786BB99C0D}"/>
+                <a16:creationId xmlns:a16="http://schemas.microsoft.com/office/drawing/2014/main" id="{6E17B82B-34F1-A5C2-A5D8-54986AE443C6}"/>
               </a:ext>
             </a:extLst>
           </p:cNvPr>
@@ -6051,9 +6401,7 @@
         </p:nvSpPr>
         <p:spPr/>
         <p:txBody>
-          <a:bodyPr>
-            <a:normAutofit fontScale="90000"/>
-          </a:bodyPr>
+          <a:bodyPr/>
           <a:lstStyle/>
           <a:p>
             <a:r>
@@ -6062,15 +6410,8 @@
                 <a:ea typeface="Calibri" panose="020F0502020204030204" pitchFamily="34" charset="0"/>
                 <a:cs typeface="Arial" panose="020B0604020202020204" pitchFamily="34" charset="0"/>
               </a:rPr>
-              <a:t>DUPLICATE DETECTION</a:t>
-            </a:r>
-            <a:br>
-              <a:rPr lang="en-US" sz="6000" kern="100" dirty="0">
-                <a:effectLst/>
-                <a:ea typeface="Calibri" panose="020F0502020204030204" pitchFamily="34" charset="0"/>
-                <a:cs typeface="Arial" panose="020B0604020202020204" pitchFamily="34" charset="0"/>
-              </a:rPr>
-            </a:br>
+              <a:t>DROPPING EXCESS COLUMNS</a:t>
+            </a:r>
             <a:endParaRPr lang="en-US" dirty="0"/>
           </a:p>
         </p:txBody>
@@ -6080,7 +6421,7 @@
           <p:cNvPr id="3" name="Text Placeholder 2">
             <a:extLst>
               <a:ext uri="{FF2B5EF4-FFF2-40B4-BE49-F238E27FC236}">
-                <a16:creationId xmlns:a16="http://schemas.microsoft.com/office/drawing/2014/main" id="{2AF4FFA5-8CCA-5A55-9216-6887039B7BE2}"/>
+                <a16:creationId xmlns:a16="http://schemas.microsoft.com/office/drawing/2014/main" id="{02F2AFCF-E2C2-8ADA-BA77-AF1B31745599}"/>
               </a:ext>
             </a:extLst>
           </p:cNvPr>
@@ -6103,7 +6444,7 @@
     </p:spTree>
     <p:extLst>
       <p:ext uri="{BB962C8B-B14F-4D97-AF65-F5344CB8AC3E}">
-        <p14:creationId xmlns:p14="http://schemas.microsoft.com/office/powerpoint/2010/main" val="1941295776"/>
+        <p14:creationId xmlns:p14="http://schemas.microsoft.com/office/powerpoint/2010/main" val="2245544329"/>
       </p:ext>
     </p:extLst>
   </p:cSld>
@@ -6135,7 +6476,7 @@
           <p:cNvPr id="2" name="Title 1">
             <a:extLst>
               <a:ext uri="{FF2B5EF4-FFF2-40B4-BE49-F238E27FC236}">
-                <a16:creationId xmlns:a16="http://schemas.microsoft.com/office/drawing/2014/main" id="{5866751F-4B6D-A91A-3775-61AA06FC51AE}"/>
+                <a16:creationId xmlns:a16="http://schemas.microsoft.com/office/drawing/2014/main" id="{649B5CA8-4B35-F03D-5778-DB9F4300C811}"/>
               </a:ext>
             </a:extLst>
           </p:cNvPr>
@@ -6148,7 +6489,9 @@
         </p:nvSpPr>
         <p:spPr/>
         <p:txBody>
-          <a:bodyPr/>
+          <a:bodyPr>
+            <a:normAutofit fontScale="90000"/>
+          </a:bodyPr>
           <a:lstStyle/>
           <a:p>
             <a:r>
@@ -6157,8 +6500,15 @@
                 <a:ea typeface="Calibri" panose="020F0502020204030204" pitchFamily="34" charset="0"/>
                 <a:cs typeface="Arial" panose="020B0604020202020204" pitchFamily="34" charset="0"/>
               </a:rPr>
-              <a:t>LEADING VALUES</a:t>
-            </a:r>
+              <a:t>REMOVING EXCESS WHITESPACE</a:t>
+            </a:r>
+            <a:br>
+              <a:rPr lang="en-US" sz="6000" kern="100" dirty="0">
+                <a:effectLst/>
+                <a:ea typeface="Calibri" panose="020F0502020204030204" pitchFamily="34" charset="0"/>
+                <a:cs typeface="Arial" panose="020B0604020202020204" pitchFamily="34" charset="0"/>
+              </a:rPr>
+            </a:br>
             <a:endParaRPr lang="en-US" dirty="0"/>
           </a:p>
         </p:txBody>
@@ -6168,7 +6518,7 @@
           <p:cNvPr id="3" name="Text Placeholder 2">
             <a:extLst>
               <a:ext uri="{FF2B5EF4-FFF2-40B4-BE49-F238E27FC236}">
-                <a16:creationId xmlns:a16="http://schemas.microsoft.com/office/drawing/2014/main" id="{79F341A4-CD40-3AE3-2992-864F040188BD}"/>
+                <a16:creationId xmlns:a16="http://schemas.microsoft.com/office/drawing/2014/main" id="{23669E45-8656-DF38-0974-B5147E379DBC}"/>
               </a:ext>
             </a:extLst>
           </p:cNvPr>
@@ -6191,7 +6541,7 @@
     </p:spTree>
     <p:extLst>
       <p:ext uri="{BB962C8B-B14F-4D97-AF65-F5344CB8AC3E}">
-        <p14:creationId xmlns:p14="http://schemas.microsoft.com/office/powerpoint/2010/main" val="3254813355"/>
+        <p14:creationId xmlns:p14="http://schemas.microsoft.com/office/powerpoint/2010/main" val="1857062599"/>
       </p:ext>
     </p:extLst>
   </p:cSld>
